--- a/Medical Clinic/Medical Clinic.pptx
+++ b/Medical Clinic/Medical Clinic.pptx
@@ -5,10 +5,10 @@
     <p:sldMasterId id="2147483648" r:id="rId4"/>
   </p:sldMasterIdLst>
   <p:notesMasterIdLst>
-    <p:notesMasterId r:id="rId18"/>
+    <p:notesMasterId r:id="rId19"/>
   </p:notesMasterIdLst>
   <p:handoutMasterIdLst>
-    <p:handoutMasterId r:id="rId19"/>
+    <p:handoutMasterId r:id="rId20"/>
   </p:handoutMasterIdLst>
   <p:sldIdLst>
     <p:sldId id="257" r:id="rId5"/>
@@ -23,7 +23,8 @@
     <p:sldId id="281" r:id="rId14"/>
     <p:sldId id="283" r:id="rId15"/>
     <p:sldId id="284" r:id="rId16"/>
-    <p:sldId id="274" r:id="rId17"/>
+    <p:sldId id="285" r:id="rId17"/>
+    <p:sldId id="274" r:id="rId18"/>
   </p:sldIdLst>
   <p:sldSz cx="12192000" cy="6858000"/>
   <p:notesSz cx="6858000" cy="9144000"/>
@@ -227,7 +228,7 @@
           <a:p>
             <a:fld id="{52E0070C-37B4-449D-86BF-E4931F16635D}" type="datetime1">
               <a:rPr lang="ru-RU" smtClean="0"/>
-              <a:t>21.10.2022</a:t>
+              <a:t>24.10.2022</a:t>
             </a:fld>
             <a:endParaRPr lang="ru-RU" dirty="0"/>
           </a:p>
@@ -407,7 +408,7 @@
             <a:pPr rtl="0"/>
             <a:fld id="{E54AC323-B726-4D2A-939E-BBCDB67E5B76}" type="datetime1">
               <a:rPr lang="ru-RU" noProof="0" smtClean="0"/>
-              <a:t>21.10.2022</a:t>
+              <a:t>24.10.2022</a:t>
             </a:fld>
             <a:endParaRPr lang="ru-RU" noProof="0" dirty="0"/>
           </a:p>
@@ -999,7 +1000,7 @@
             <a:pPr rtl="0"/>
             <a:fld id="{060C6D3C-9EB0-4F2C-9026-3887D1CDB44E}" type="slidenum">
               <a:rPr lang="ru-RU" smtClean="0"/>
-              <a:t>13</a:t>
+              <a:t>14</a:t>
             </a:fld>
             <a:endParaRPr lang="ru-RU" dirty="0"/>
           </a:p>
@@ -16138,6 +16139,3063 @@
           <a:chExt cx="0" cy="0"/>
         </a:xfrm>
       </p:grpSpPr>
+      <p:sp>
+        <p:nvSpPr>
+          <p:cNvPr id="2" name="Заголовок 1">
+            <a:extLst>
+              <a:ext uri="{FF2B5EF4-FFF2-40B4-BE49-F238E27FC236}">
+                <a16:creationId xmlns:a16="http://schemas.microsoft.com/office/drawing/2014/main" id="{D6FD5E3A-505D-4A90-9CDD-EDD880FACFE8}"/>
+              </a:ext>
+            </a:extLst>
+          </p:cNvPr>
+          <p:cNvSpPr>
+            <a:spLocks noGrp="1"/>
+          </p:cNvSpPr>
+          <p:nvPr>
+            <p:ph type="title"/>
+          </p:nvPr>
+        </p:nvSpPr>
+        <p:spPr/>
+        <p:txBody>
+          <a:bodyPr/>
+          <a:lstStyle/>
+          <a:p>
+            <a:r>
+              <a:rPr lang="ru-RU" dirty="0"/>
+              <a:t>Тестирование</a:t>
+            </a:r>
+          </a:p>
+        </p:txBody>
+      </p:sp>
+      <p:sp>
+        <p:nvSpPr>
+          <p:cNvPr id="3" name="Текст 2">
+            <a:extLst>
+              <a:ext uri="{FF2B5EF4-FFF2-40B4-BE49-F238E27FC236}">
+                <a16:creationId xmlns:a16="http://schemas.microsoft.com/office/drawing/2014/main" id="{70E5AAEF-A562-4F7F-ABBB-58AD4FE1CBAA}"/>
+              </a:ext>
+            </a:extLst>
+          </p:cNvPr>
+          <p:cNvSpPr>
+            <a:spLocks noGrp="1"/>
+          </p:cNvSpPr>
+          <p:nvPr>
+            <p:ph type="body" sz="quarter" idx="12"/>
+          </p:nvPr>
+        </p:nvSpPr>
+        <p:spPr/>
+        <p:txBody>
+          <a:bodyPr/>
+          <a:lstStyle/>
+          <a:p>
+            <a:r>
+              <a:rPr lang="ru-RU" dirty="0"/>
+              <a:t>Тестирование </a:t>
+            </a:r>
+            <a:r>
+              <a:rPr lang="en-US" dirty="0"/>
+              <a:t>UserService</a:t>
+            </a:r>
+          </a:p>
+          <a:p>
+            <a:endParaRPr lang="ru-RU" dirty="0"/>
+          </a:p>
+        </p:txBody>
+      </p:sp>
+      <p:sp>
+        <p:nvSpPr>
+          <p:cNvPr id="4" name="Номер слайда 3">
+            <a:extLst>
+              <a:ext uri="{FF2B5EF4-FFF2-40B4-BE49-F238E27FC236}">
+                <a16:creationId xmlns:a16="http://schemas.microsoft.com/office/drawing/2014/main" id="{676E23DC-7624-477E-B4EC-F3F1DBE8A971}"/>
+              </a:ext>
+            </a:extLst>
+          </p:cNvPr>
+          <p:cNvSpPr>
+            <a:spLocks noGrp="1"/>
+          </p:cNvSpPr>
+          <p:nvPr>
+            <p:ph type="sldNum" sz="quarter" idx="11"/>
+          </p:nvPr>
+        </p:nvSpPr>
+        <p:spPr/>
+        <p:txBody>
+          <a:bodyPr/>
+          <a:lstStyle/>
+          <a:p>
+            <a:pPr rtl="0"/>
+            <a:fld id="{EECC7194-A4D0-457B-9D3E-53681723AFF7}" type="slidenum">
+              <a:rPr lang="ru-RU" noProof="0" smtClean="0"/>
+              <a:pPr rtl="0"/>
+              <a:t>13</a:t>
+            </a:fld>
+            <a:endParaRPr lang="ru-RU" noProof="0" dirty="0"/>
+          </a:p>
+        </p:txBody>
+      </p:sp>
+      <p:sp>
+        <p:nvSpPr>
+          <p:cNvPr id="6" name="Rectangle 2">
+            <a:extLst>
+              <a:ext uri="{FF2B5EF4-FFF2-40B4-BE49-F238E27FC236}">
+                <a16:creationId xmlns:a16="http://schemas.microsoft.com/office/drawing/2014/main" id="{9127A8E2-A3E2-4254-9BFB-697832DACB8F}"/>
+              </a:ext>
+            </a:extLst>
+          </p:cNvPr>
+          <p:cNvSpPr>
+            <a:spLocks noChangeArrowheads="1"/>
+          </p:cNvSpPr>
+          <p:nvPr/>
+        </p:nvSpPr>
+        <p:spPr bwMode="auto">
+          <a:xfrm>
+            <a:off x="684000" y="2469047"/>
+            <a:ext cx="4167963" cy="4216539"/>
+          </a:xfrm>
+          <a:prstGeom prst="rect">
+            <a:avLst/>
+          </a:prstGeom>
+          <a:solidFill>
+            <a:srgbClr val="2B2B2B"/>
+          </a:solidFill>
+          <a:ln>
+            <a:noFill/>
+          </a:ln>
+          <a:effectLst/>
+          <a:extLst>
+            <a:ext uri="{91240B29-F687-4F45-9708-019B960494DF}">
+              <a14:hiddenLine xmlns:a14="http://schemas.microsoft.com/office/drawing/2010/main" w="9525">
+                <a:solidFill>
+                  <a:schemeClr val="tx1"/>
+                </a:solidFill>
+                <a:miter lim="800000"/>
+                <a:headEnd/>
+                <a:tailEnd/>
+              </a14:hiddenLine>
+            </a:ext>
+            <a:ext uri="{AF507438-7753-43E0-B8FC-AC1667EBCBE1}">
+              <a14:hiddenEffects xmlns:a14="http://schemas.microsoft.com/office/drawing/2010/main">
+                <a:effectLst>
+                  <a:outerShdw dist="35921" dir="2700000" algn="ctr" rotWithShape="0">
+                    <a:schemeClr val="bg2"/>
+                  </a:outerShdw>
+                </a:effectLst>
+              </a14:hiddenEffects>
+            </a:ext>
+          </a:extLst>
+        </p:spPr>
+        <p:txBody>
+          <a:bodyPr vert="horz" wrap="square" lIns="91440" tIns="45720" rIns="91440" bIns="45720" numCol="1" anchor="ctr" anchorCtr="0" compatLnSpc="1">
+            <a:prstTxWarp prst="textNoShape">
+              <a:avLst/>
+            </a:prstTxWarp>
+            <a:spAutoFit/>
+          </a:bodyPr>
+          <a:lstStyle/>
+          <a:p>
+            <a:pPr marL="0" marR="0" lvl="0" indent="0" algn="l" defTabSz="914400" rtl="0" eaLnBrk="0" fontAlgn="base" latinLnBrk="0" hangingPunct="0">
+              <a:lnSpc>
+                <a:spcPct val="100000"/>
+              </a:lnSpc>
+              <a:spcBef>
+                <a:spcPct val="0"/>
+              </a:spcBef>
+              <a:spcAft>
+                <a:spcPct val="0"/>
+              </a:spcAft>
+              <a:buClrTx/>
+              <a:buSzTx/>
+              <a:buFontTx/>
+              <a:buNone/>
+              <a:tabLst/>
+            </a:pPr>
+            <a:r>
+              <a:rPr kumimoji="0" lang="ru-RU" altLang="ru-RU" sz="1000" b="0" i="0" u="none" strike="noStrike" cap="none" normalizeH="0" baseline="0" dirty="0">
+                <a:ln>
+                  <a:noFill/>
+                </a:ln>
+                <a:solidFill>
+                  <a:srgbClr val="BBB529"/>
+                </a:solidFill>
+                <a:effectLst/>
+                <a:latin typeface="JetBrains Mono"/>
+              </a:rPr>
+              <a:t>@SpringBootTest</a:t>
+            </a:r>
+            <a:br>
+              <a:rPr kumimoji="0" lang="ru-RU" altLang="ru-RU" sz="1000" b="0" i="0" u="none" strike="noStrike" cap="none" normalizeH="0" baseline="0" dirty="0">
+                <a:ln>
+                  <a:noFill/>
+                </a:ln>
+                <a:solidFill>
+                  <a:srgbClr val="BBB529"/>
+                </a:solidFill>
+                <a:effectLst/>
+                <a:latin typeface="JetBrains Mono"/>
+              </a:rPr>
+            </a:br>
+            <a:r>
+              <a:rPr kumimoji="0" lang="ru-RU" altLang="ru-RU" sz="1000" b="0" i="0" u="none" strike="noStrike" cap="none" normalizeH="0" baseline="0" dirty="0">
+                <a:ln>
+                  <a:noFill/>
+                </a:ln>
+                <a:solidFill>
+                  <a:srgbClr val="CC7832"/>
+                </a:solidFill>
+                <a:effectLst/>
+                <a:latin typeface="JetBrains Mono"/>
+              </a:rPr>
+              <a:t>class </a:t>
+            </a:r>
+            <a:r>
+              <a:rPr kumimoji="0" lang="ru-RU" altLang="ru-RU" sz="1000" b="0" i="0" u="none" strike="noStrike" cap="none" normalizeH="0" baseline="0" dirty="0">
+                <a:ln>
+                  <a:noFill/>
+                </a:ln>
+                <a:solidFill>
+                  <a:srgbClr val="A9B7C6"/>
+                </a:solidFill>
+                <a:effectLst/>
+                <a:latin typeface="JetBrains Mono"/>
+              </a:rPr>
+              <a:t>UserServiceTest {</a:t>
+            </a:r>
+            <a:br>
+              <a:rPr kumimoji="0" lang="ru-RU" altLang="ru-RU" sz="1000" b="0" i="0" u="none" strike="noStrike" cap="none" normalizeH="0" baseline="0" dirty="0">
+                <a:ln>
+                  <a:noFill/>
+                </a:ln>
+                <a:solidFill>
+                  <a:srgbClr val="A9B7C6"/>
+                </a:solidFill>
+                <a:effectLst/>
+                <a:latin typeface="JetBrains Mono"/>
+              </a:rPr>
+            </a:br>
+            <a:br>
+              <a:rPr kumimoji="0" lang="ru-RU" altLang="ru-RU" sz="1000" b="0" i="0" u="none" strike="noStrike" cap="none" normalizeH="0" baseline="0" dirty="0">
+                <a:ln>
+                  <a:noFill/>
+                </a:ln>
+                <a:solidFill>
+                  <a:srgbClr val="A9B7C6"/>
+                </a:solidFill>
+                <a:effectLst/>
+                <a:latin typeface="JetBrains Mono"/>
+              </a:rPr>
+            </a:br>
+            <a:r>
+              <a:rPr kumimoji="0" lang="ru-RU" altLang="ru-RU" sz="1000" b="0" i="0" u="none" strike="noStrike" cap="none" normalizeH="0" baseline="0" dirty="0">
+                <a:ln>
+                  <a:noFill/>
+                </a:ln>
+                <a:solidFill>
+                  <a:srgbClr val="A9B7C6"/>
+                </a:solidFill>
+                <a:effectLst/>
+                <a:latin typeface="JetBrains Mono"/>
+              </a:rPr>
+              <a:t>    </a:t>
+            </a:r>
+            <a:r>
+              <a:rPr kumimoji="0" lang="ru-RU" altLang="ru-RU" sz="1000" b="0" i="0" u="none" strike="noStrike" cap="none" normalizeH="0" baseline="0" dirty="0">
+                <a:ln>
+                  <a:noFill/>
+                </a:ln>
+                <a:solidFill>
+                  <a:srgbClr val="BBB529"/>
+                </a:solidFill>
+                <a:effectLst/>
+                <a:latin typeface="JetBrains Mono"/>
+              </a:rPr>
+              <a:t>@Autowired</a:t>
+            </a:r>
+            <a:br>
+              <a:rPr kumimoji="0" lang="ru-RU" altLang="ru-RU" sz="1000" b="0" i="0" u="none" strike="noStrike" cap="none" normalizeH="0" baseline="0" dirty="0">
+                <a:ln>
+                  <a:noFill/>
+                </a:ln>
+                <a:solidFill>
+                  <a:srgbClr val="BBB529"/>
+                </a:solidFill>
+                <a:effectLst/>
+                <a:latin typeface="JetBrains Mono"/>
+              </a:rPr>
+            </a:br>
+            <a:r>
+              <a:rPr kumimoji="0" lang="ru-RU" altLang="ru-RU" sz="1000" b="0" i="0" u="none" strike="noStrike" cap="none" normalizeH="0" baseline="0" dirty="0">
+                <a:ln>
+                  <a:noFill/>
+                </a:ln>
+                <a:solidFill>
+                  <a:srgbClr val="BBB529"/>
+                </a:solidFill>
+                <a:effectLst/>
+                <a:latin typeface="JetBrains Mono"/>
+              </a:rPr>
+              <a:t>    </a:t>
+            </a:r>
+            <a:r>
+              <a:rPr kumimoji="0" lang="ru-RU" altLang="ru-RU" sz="1000" b="0" i="0" u="none" strike="noStrike" cap="none" normalizeH="0" baseline="0" dirty="0">
+                <a:ln>
+                  <a:noFill/>
+                </a:ln>
+                <a:solidFill>
+                  <a:srgbClr val="CC7832"/>
+                </a:solidFill>
+                <a:effectLst/>
+                <a:latin typeface="JetBrains Mono"/>
+              </a:rPr>
+              <a:t>private </a:t>
+            </a:r>
+            <a:r>
+              <a:rPr kumimoji="0" lang="ru-RU" altLang="ru-RU" sz="1000" b="0" i="0" u="none" strike="noStrike" cap="none" normalizeH="0" baseline="0" dirty="0">
+                <a:ln>
+                  <a:noFill/>
+                </a:ln>
+                <a:solidFill>
+                  <a:srgbClr val="A9B7C6"/>
+                </a:solidFill>
+                <a:effectLst/>
+                <a:latin typeface="JetBrains Mono"/>
+              </a:rPr>
+              <a:t>UserService </a:t>
+            </a:r>
+            <a:r>
+              <a:rPr kumimoji="0" lang="ru-RU" altLang="ru-RU" sz="1000" b="0" i="0" u="none" strike="noStrike" cap="none" normalizeH="0" baseline="0" dirty="0">
+                <a:ln>
+                  <a:noFill/>
+                </a:ln>
+                <a:solidFill>
+                  <a:srgbClr val="9876AA"/>
+                </a:solidFill>
+                <a:effectLst/>
+                <a:latin typeface="JetBrains Mono"/>
+              </a:rPr>
+              <a:t>userService</a:t>
+            </a:r>
+            <a:r>
+              <a:rPr kumimoji="0" lang="ru-RU" altLang="ru-RU" sz="1000" b="0" i="0" u="none" strike="noStrike" cap="none" normalizeH="0" baseline="0" dirty="0">
+                <a:ln>
+                  <a:noFill/>
+                </a:ln>
+                <a:solidFill>
+                  <a:srgbClr val="CC7832"/>
+                </a:solidFill>
+                <a:effectLst/>
+                <a:latin typeface="JetBrains Mono"/>
+              </a:rPr>
+              <a:t>;</a:t>
+            </a:r>
+            <a:br>
+              <a:rPr kumimoji="0" lang="ru-RU" altLang="ru-RU" sz="1000" b="0" i="0" u="none" strike="noStrike" cap="none" normalizeH="0" baseline="0" dirty="0">
+                <a:ln>
+                  <a:noFill/>
+                </a:ln>
+                <a:solidFill>
+                  <a:srgbClr val="CC7832"/>
+                </a:solidFill>
+                <a:effectLst/>
+                <a:latin typeface="JetBrains Mono"/>
+              </a:rPr>
+            </a:br>
+            <a:r>
+              <a:rPr kumimoji="0" lang="ru-RU" altLang="ru-RU" sz="1000" b="0" i="0" u="none" strike="noStrike" cap="none" normalizeH="0" baseline="0" dirty="0">
+                <a:ln>
+                  <a:noFill/>
+                </a:ln>
+                <a:solidFill>
+                  <a:srgbClr val="CC7832"/>
+                </a:solidFill>
+                <a:effectLst/>
+                <a:latin typeface="JetBrains Mono"/>
+              </a:rPr>
+              <a:t>    </a:t>
+            </a:r>
+            <a:r>
+              <a:rPr kumimoji="0" lang="ru-RU" altLang="ru-RU" sz="1000" b="0" i="0" u="none" strike="noStrike" cap="none" normalizeH="0" baseline="0" dirty="0">
+                <a:ln>
+                  <a:noFill/>
+                </a:ln>
+                <a:solidFill>
+                  <a:srgbClr val="BBB529"/>
+                </a:solidFill>
+                <a:effectLst/>
+                <a:latin typeface="JetBrains Mono"/>
+              </a:rPr>
+              <a:t>@Autowired</a:t>
+            </a:r>
+            <a:br>
+              <a:rPr kumimoji="0" lang="ru-RU" altLang="ru-RU" sz="1000" b="0" i="0" u="none" strike="noStrike" cap="none" normalizeH="0" baseline="0" dirty="0">
+                <a:ln>
+                  <a:noFill/>
+                </a:ln>
+                <a:solidFill>
+                  <a:srgbClr val="BBB529"/>
+                </a:solidFill>
+                <a:effectLst/>
+                <a:latin typeface="JetBrains Mono"/>
+              </a:rPr>
+            </a:br>
+            <a:r>
+              <a:rPr kumimoji="0" lang="ru-RU" altLang="ru-RU" sz="1000" b="0" i="0" u="none" strike="noStrike" cap="none" normalizeH="0" baseline="0" dirty="0">
+                <a:ln>
+                  <a:noFill/>
+                </a:ln>
+                <a:solidFill>
+                  <a:srgbClr val="BBB529"/>
+                </a:solidFill>
+                <a:effectLst/>
+                <a:latin typeface="JetBrains Mono"/>
+              </a:rPr>
+              <a:t>    </a:t>
+            </a:r>
+            <a:r>
+              <a:rPr kumimoji="0" lang="ru-RU" altLang="ru-RU" sz="1000" b="0" i="0" u="none" strike="noStrike" cap="none" normalizeH="0" baseline="0" dirty="0">
+                <a:ln>
+                  <a:noFill/>
+                </a:ln>
+                <a:solidFill>
+                  <a:srgbClr val="CC7832"/>
+                </a:solidFill>
+                <a:effectLst/>
+                <a:latin typeface="JetBrains Mono"/>
+              </a:rPr>
+              <a:t>private </a:t>
+            </a:r>
+            <a:r>
+              <a:rPr kumimoji="0" lang="ru-RU" altLang="ru-RU" sz="1000" b="0" i="0" u="none" strike="noStrike" cap="none" normalizeH="0" baseline="0" dirty="0">
+                <a:ln>
+                  <a:noFill/>
+                </a:ln>
+                <a:solidFill>
+                  <a:srgbClr val="A9B7C6"/>
+                </a:solidFill>
+                <a:effectLst/>
+                <a:latin typeface="JetBrains Mono"/>
+              </a:rPr>
+              <a:t>PasswordEncoder </a:t>
+            </a:r>
+            <a:r>
+              <a:rPr kumimoji="0" lang="ru-RU" altLang="ru-RU" sz="1000" b="0" i="0" u="none" strike="noStrike" cap="none" normalizeH="0" baseline="0" dirty="0">
+                <a:ln>
+                  <a:noFill/>
+                </a:ln>
+                <a:solidFill>
+                  <a:srgbClr val="9876AA"/>
+                </a:solidFill>
+                <a:effectLst/>
+                <a:latin typeface="JetBrains Mono"/>
+              </a:rPr>
+              <a:t>passwordEncoder</a:t>
+            </a:r>
+            <a:r>
+              <a:rPr kumimoji="0" lang="ru-RU" altLang="ru-RU" sz="1000" b="0" i="0" u="none" strike="noStrike" cap="none" normalizeH="0" baseline="0" dirty="0">
+                <a:ln>
+                  <a:noFill/>
+                </a:ln>
+                <a:solidFill>
+                  <a:srgbClr val="CC7832"/>
+                </a:solidFill>
+                <a:effectLst/>
+                <a:latin typeface="JetBrains Mono"/>
+              </a:rPr>
+              <a:t>;</a:t>
+            </a:r>
+            <a:br>
+              <a:rPr kumimoji="0" lang="ru-RU" altLang="ru-RU" sz="1000" b="0" i="0" u="none" strike="noStrike" cap="none" normalizeH="0" baseline="0" dirty="0">
+                <a:ln>
+                  <a:noFill/>
+                </a:ln>
+                <a:solidFill>
+                  <a:srgbClr val="CC7832"/>
+                </a:solidFill>
+                <a:effectLst/>
+                <a:latin typeface="JetBrains Mono"/>
+              </a:rPr>
+            </a:br>
+            <a:r>
+              <a:rPr kumimoji="0" lang="ru-RU" altLang="ru-RU" sz="1000" b="0" i="0" u="none" strike="noStrike" cap="none" normalizeH="0" baseline="0" dirty="0">
+                <a:ln>
+                  <a:noFill/>
+                </a:ln>
+                <a:solidFill>
+                  <a:srgbClr val="CC7832"/>
+                </a:solidFill>
+                <a:effectLst/>
+                <a:latin typeface="JetBrains Mono"/>
+              </a:rPr>
+              <a:t>    private </a:t>
+            </a:r>
+            <a:r>
+              <a:rPr kumimoji="0" lang="ru-RU" altLang="ru-RU" sz="1000" b="0" i="0" u="none" strike="noStrike" cap="none" normalizeH="0" baseline="0" dirty="0">
+                <a:ln>
+                  <a:noFill/>
+                </a:ln>
+                <a:solidFill>
+                  <a:srgbClr val="A9B7C6"/>
+                </a:solidFill>
+                <a:effectLst/>
+                <a:latin typeface="JetBrains Mono"/>
+              </a:rPr>
+              <a:t>UserDto </a:t>
+            </a:r>
+            <a:r>
+              <a:rPr kumimoji="0" lang="ru-RU" altLang="ru-RU" sz="1000" b="0" i="0" u="none" strike="noStrike" cap="none" normalizeH="0" baseline="0" dirty="0">
+                <a:ln>
+                  <a:noFill/>
+                </a:ln>
+                <a:solidFill>
+                  <a:srgbClr val="9876AA"/>
+                </a:solidFill>
+                <a:effectLst/>
+                <a:latin typeface="JetBrains Mono"/>
+              </a:rPr>
+              <a:t>userDto</a:t>
+            </a:r>
+            <a:r>
+              <a:rPr kumimoji="0" lang="ru-RU" altLang="ru-RU" sz="1000" b="0" i="0" u="none" strike="noStrike" cap="none" normalizeH="0" baseline="0" dirty="0">
+                <a:ln>
+                  <a:noFill/>
+                </a:ln>
+                <a:solidFill>
+                  <a:srgbClr val="CC7832"/>
+                </a:solidFill>
+                <a:effectLst/>
+                <a:latin typeface="JetBrains Mono"/>
+              </a:rPr>
+              <a:t>;</a:t>
+            </a:r>
+            <a:br>
+              <a:rPr kumimoji="0" lang="ru-RU" altLang="ru-RU" sz="1000" b="0" i="0" u="none" strike="noStrike" cap="none" normalizeH="0" baseline="0" dirty="0">
+                <a:ln>
+                  <a:noFill/>
+                </a:ln>
+                <a:solidFill>
+                  <a:srgbClr val="CC7832"/>
+                </a:solidFill>
+                <a:effectLst/>
+                <a:latin typeface="JetBrains Mono"/>
+              </a:rPr>
+            </a:br>
+            <a:r>
+              <a:rPr kumimoji="0" lang="ru-RU" altLang="ru-RU" sz="1000" b="0" i="0" u="none" strike="noStrike" cap="none" normalizeH="0" baseline="0" dirty="0">
+                <a:ln>
+                  <a:noFill/>
+                </a:ln>
+                <a:solidFill>
+                  <a:srgbClr val="CC7832"/>
+                </a:solidFill>
+                <a:effectLst/>
+                <a:latin typeface="JetBrains Mono"/>
+              </a:rPr>
+              <a:t>    private </a:t>
+            </a:r>
+            <a:r>
+              <a:rPr kumimoji="0" lang="ru-RU" altLang="ru-RU" sz="1000" b="0" i="0" u="none" strike="noStrike" cap="none" normalizeH="0" baseline="0" dirty="0">
+                <a:ln>
+                  <a:noFill/>
+                </a:ln>
+                <a:solidFill>
+                  <a:srgbClr val="A9B7C6"/>
+                </a:solidFill>
+                <a:effectLst/>
+                <a:latin typeface="JetBrains Mono"/>
+              </a:rPr>
+              <a:t>User </a:t>
+            </a:r>
+            <a:r>
+              <a:rPr kumimoji="0" lang="ru-RU" altLang="ru-RU" sz="1000" b="0" i="0" u="none" strike="noStrike" cap="none" normalizeH="0" baseline="0" dirty="0">
+                <a:ln>
+                  <a:noFill/>
+                </a:ln>
+                <a:solidFill>
+                  <a:srgbClr val="9876AA"/>
+                </a:solidFill>
+                <a:effectLst/>
+                <a:latin typeface="JetBrains Mono"/>
+              </a:rPr>
+              <a:t>user</a:t>
+            </a:r>
+            <a:r>
+              <a:rPr kumimoji="0" lang="ru-RU" altLang="ru-RU" sz="1000" b="0" i="0" u="none" strike="noStrike" cap="none" normalizeH="0" baseline="0" dirty="0">
+                <a:ln>
+                  <a:noFill/>
+                </a:ln>
+                <a:solidFill>
+                  <a:srgbClr val="CC7832"/>
+                </a:solidFill>
+                <a:effectLst/>
+                <a:latin typeface="JetBrains Mono"/>
+              </a:rPr>
+              <a:t>;</a:t>
+            </a:r>
+            <a:br>
+              <a:rPr kumimoji="0" lang="ru-RU" altLang="ru-RU" sz="1000" b="0" i="0" u="none" strike="noStrike" cap="none" normalizeH="0" baseline="0" dirty="0">
+                <a:ln>
+                  <a:noFill/>
+                </a:ln>
+                <a:solidFill>
+                  <a:srgbClr val="CC7832"/>
+                </a:solidFill>
+                <a:effectLst/>
+                <a:latin typeface="JetBrains Mono"/>
+              </a:rPr>
+            </a:br>
+            <a:br>
+              <a:rPr kumimoji="0" lang="ru-RU" altLang="ru-RU" sz="1000" b="0" i="0" u="none" strike="noStrike" cap="none" normalizeH="0" baseline="0" dirty="0">
+                <a:ln>
+                  <a:noFill/>
+                </a:ln>
+                <a:solidFill>
+                  <a:srgbClr val="CC7832"/>
+                </a:solidFill>
+                <a:effectLst/>
+                <a:latin typeface="JetBrains Mono"/>
+              </a:rPr>
+            </a:br>
+            <a:r>
+              <a:rPr kumimoji="0" lang="ru-RU" altLang="ru-RU" sz="1000" b="0" i="0" u="none" strike="noStrike" cap="none" normalizeH="0" baseline="0" dirty="0">
+                <a:ln>
+                  <a:noFill/>
+                </a:ln>
+                <a:solidFill>
+                  <a:srgbClr val="CC7832"/>
+                </a:solidFill>
+                <a:effectLst/>
+                <a:latin typeface="JetBrains Mono"/>
+              </a:rPr>
+              <a:t>    </a:t>
+            </a:r>
+            <a:r>
+              <a:rPr kumimoji="0" lang="ru-RU" altLang="ru-RU" sz="1000" b="0" i="0" u="none" strike="noStrike" cap="none" normalizeH="0" baseline="0" dirty="0">
+                <a:ln>
+                  <a:noFill/>
+                </a:ln>
+                <a:solidFill>
+                  <a:srgbClr val="BBB529"/>
+                </a:solidFill>
+                <a:effectLst/>
+                <a:latin typeface="JetBrains Mono"/>
+              </a:rPr>
+              <a:t>@BeforeEach</a:t>
+            </a:r>
+            <a:br>
+              <a:rPr kumimoji="0" lang="ru-RU" altLang="ru-RU" sz="1000" b="0" i="0" u="none" strike="noStrike" cap="none" normalizeH="0" baseline="0" dirty="0">
+                <a:ln>
+                  <a:noFill/>
+                </a:ln>
+                <a:solidFill>
+                  <a:srgbClr val="BBB529"/>
+                </a:solidFill>
+                <a:effectLst/>
+                <a:latin typeface="JetBrains Mono"/>
+              </a:rPr>
+            </a:br>
+            <a:r>
+              <a:rPr kumimoji="0" lang="ru-RU" altLang="ru-RU" sz="1000" b="0" i="0" u="none" strike="noStrike" cap="none" normalizeH="0" baseline="0" dirty="0">
+                <a:ln>
+                  <a:noFill/>
+                </a:ln>
+                <a:solidFill>
+                  <a:srgbClr val="BBB529"/>
+                </a:solidFill>
+                <a:effectLst/>
+                <a:latin typeface="JetBrains Mono"/>
+              </a:rPr>
+              <a:t>    </a:t>
+            </a:r>
+            <a:r>
+              <a:rPr kumimoji="0" lang="ru-RU" altLang="ru-RU" sz="1000" b="0" i="0" u="none" strike="noStrike" cap="none" normalizeH="0" baseline="0" dirty="0">
+                <a:ln>
+                  <a:noFill/>
+                </a:ln>
+                <a:solidFill>
+                  <a:srgbClr val="CC7832"/>
+                </a:solidFill>
+                <a:effectLst/>
+                <a:latin typeface="JetBrains Mono"/>
+              </a:rPr>
+              <a:t>void </a:t>
+            </a:r>
+            <a:r>
+              <a:rPr kumimoji="0" lang="ru-RU" altLang="ru-RU" sz="1000" b="0" i="0" u="none" strike="noStrike" cap="none" normalizeH="0" baseline="0" dirty="0">
+                <a:ln>
+                  <a:noFill/>
+                </a:ln>
+                <a:solidFill>
+                  <a:srgbClr val="FFC66D"/>
+                </a:solidFill>
+                <a:effectLst/>
+                <a:latin typeface="JetBrains Mono"/>
+              </a:rPr>
+              <a:t>initialize</a:t>
+            </a:r>
+            <a:r>
+              <a:rPr kumimoji="0" lang="ru-RU" altLang="ru-RU" sz="1000" b="0" i="0" u="none" strike="noStrike" cap="none" normalizeH="0" baseline="0" dirty="0">
+                <a:ln>
+                  <a:noFill/>
+                </a:ln>
+                <a:solidFill>
+                  <a:srgbClr val="A9B7C6"/>
+                </a:solidFill>
+                <a:effectLst/>
+                <a:latin typeface="JetBrains Mono"/>
+              </a:rPr>
+              <a:t>() {</a:t>
+            </a:r>
+            <a:br>
+              <a:rPr kumimoji="0" lang="ru-RU" altLang="ru-RU" sz="1000" b="0" i="0" u="none" strike="noStrike" cap="none" normalizeH="0" baseline="0" dirty="0">
+                <a:ln>
+                  <a:noFill/>
+                </a:ln>
+                <a:solidFill>
+                  <a:srgbClr val="A9B7C6"/>
+                </a:solidFill>
+                <a:effectLst/>
+                <a:latin typeface="JetBrains Mono"/>
+              </a:rPr>
+            </a:br>
+            <a:r>
+              <a:rPr kumimoji="0" lang="ru-RU" altLang="ru-RU" sz="1000" b="0" i="0" u="none" strike="noStrike" cap="none" normalizeH="0" baseline="0" dirty="0">
+                <a:ln>
+                  <a:noFill/>
+                </a:ln>
+                <a:solidFill>
+                  <a:srgbClr val="A9B7C6"/>
+                </a:solidFill>
+                <a:effectLst/>
+                <a:latin typeface="JetBrains Mono"/>
+              </a:rPr>
+              <a:t>        </a:t>
+            </a:r>
+            <a:r>
+              <a:rPr kumimoji="0" lang="ru-RU" altLang="ru-RU" sz="1000" b="0" i="0" u="none" strike="noStrike" cap="none" normalizeH="0" baseline="0" dirty="0">
+                <a:ln>
+                  <a:noFill/>
+                </a:ln>
+                <a:solidFill>
+                  <a:srgbClr val="9876AA"/>
+                </a:solidFill>
+                <a:effectLst/>
+                <a:latin typeface="JetBrains Mono"/>
+              </a:rPr>
+              <a:t>userDto </a:t>
+            </a:r>
+            <a:r>
+              <a:rPr kumimoji="0" lang="ru-RU" altLang="ru-RU" sz="1000" b="0" i="0" u="none" strike="noStrike" cap="none" normalizeH="0" baseline="0" dirty="0">
+                <a:ln>
+                  <a:noFill/>
+                </a:ln>
+                <a:solidFill>
+                  <a:srgbClr val="A9B7C6"/>
+                </a:solidFill>
+                <a:effectLst/>
+                <a:latin typeface="JetBrains Mono"/>
+              </a:rPr>
+              <a:t>= </a:t>
+            </a:r>
+            <a:r>
+              <a:rPr kumimoji="0" lang="ru-RU" altLang="ru-RU" sz="1000" b="0" i="0" u="none" strike="noStrike" cap="none" normalizeH="0" baseline="0" dirty="0">
+                <a:ln>
+                  <a:noFill/>
+                </a:ln>
+                <a:solidFill>
+                  <a:srgbClr val="CC7832"/>
+                </a:solidFill>
+                <a:effectLst/>
+                <a:latin typeface="JetBrains Mono"/>
+              </a:rPr>
+              <a:t>new </a:t>
+            </a:r>
+            <a:r>
+              <a:rPr kumimoji="0" lang="ru-RU" altLang="ru-RU" sz="1000" b="0" i="0" u="none" strike="noStrike" cap="none" normalizeH="0" baseline="0" dirty="0">
+                <a:ln>
+                  <a:noFill/>
+                </a:ln>
+                <a:solidFill>
+                  <a:srgbClr val="A9B7C6"/>
+                </a:solidFill>
+                <a:effectLst/>
+                <a:latin typeface="JetBrains Mono"/>
+              </a:rPr>
+              <a:t>UserDto()</a:t>
+            </a:r>
+            <a:r>
+              <a:rPr kumimoji="0" lang="ru-RU" altLang="ru-RU" sz="1000" b="0" i="0" u="none" strike="noStrike" cap="none" normalizeH="0" baseline="0" dirty="0">
+                <a:ln>
+                  <a:noFill/>
+                </a:ln>
+                <a:solidFill>
+                  <a:srgbClr val="CC7832"/>
+                </a:solidFill>
+                <a:effectLst/>
+                <a:latin typeface="JetBrains Mono"/>
+              </a:rPr>
+              <a:t>;</a:t>
+            </a:r>
+            <a:br>
+              <a:rPr kumimoji="0" lang="ru-RU" altLang="ru-RU" sz="1000" b="0" i="0" u="none" strike="noStrike" cap="none" normalizeH="0" baseline="0" dirty="0">
+                <a:ln>
+                  <a:noFill/>
+                </a:ln>
+                <a:solidFill>
+                  <a:srgbClr val="CC7832"/>
+                </a:solidFill>
+                <a:effectLst/>
+                <a:latin typeface="JetBrains Mono"/>
+              </a:rPr>
+            </a:br>
+            <a:r>
+              <a:rPr kumimoji="0" lang="ru-RU" altLang="ru-RU" sz="1000" b="0" i="0" u="none" strike="noStrike" cap="none" normalizeH="0" baseline="0" dirty="0">
+                <a:ln>
+                  <a:noFill/>
+                </a:ln>
+                <a:solidFill>
+                  <a:srgbClr val="CC7832"/>
+                </a:solidFill>
+                <a:effectLst/>
+                <a:latin typeface="JetBrains Mono"/>
+              </a:rPr>
+              <a:t>        </a:t>
+            </a:r>
+            <a:r>
+              <a:rPr kumimoji="0" lang="ru-RU" altLang="ru-RU" sz="1000" b="0" i="0" u="none" strike="noStrike" cap="none" normalizeH="0" baseline="0" dirty="0">
+                <a:ln>
+                  <a:noFill/>
+                </a:ln>
+                <a:solidFill>
+                  <a:srgbClr val="9876AA"/>
+                </a:solidFill>
+                <a:effectLst/>
+                <a:latin typeface="JetBrains Mono"/>
+              </a:rPr>
+              <a:t>userDto</a:t>
+            </a:r>
+            <a:r>
+              <a:rPr kumimoji="0" lang="ru-RU" altLang="ru-RU" sz="1000" b="0" i="0" u="none" strike="noStrike" cap="none" normalizeH="0" baseline="0" dirty="0">
+                <a:ln>
+                  <a:noFill/>
+                </a:ln>
+                <a:solidFill>
+                  <a:srgbClr val="A9B7C6"/>
+                </a:solidFill>
+                <a:effectLst/>
+                <a:latin typeface="JetBrains Mono"/>
+              </a:rPr>
+              <a:t>.setFirstName(</a:t>
+            </a:r>
+            <a:r>
+              <a:rPr kumimoji="0" lang="ru-RU" altLang="ru-RU" sz="1000" b="0" i="0" u="none" strike="noStrike" cap="none" normalizeH="0" baseline="0" dirty="0">
+                <a:ln>
+                  <a:noFill/>
+                </a:ln>
+                <a:solidFill>
+                  <a:srgbClr val="6A8759"/>
+                </a:solidFill>
+                <a:effectLst/>
+                <a:latin typeface="JetBrains Mono"/>
+              </a:rPr>
+              <a:t>"FIRSTNAME"</a:t>
+            </a:r>
+            <a:r>
+              <a:rPr kumimoji="0" lang="ru-RU" altLang="ru-RU" sz="1000" b="0" i="0" u="none" strike="noStrike" cap="none" normalizeH="0" baseline="0" dirty="0">
+                <a:ln>
+                  <a:noFill/>
+                </a:ln>
+                <a:solidFill>
+                  <a:srgbClr val="A9B7C6"/>
+                </a:solidFill>
+                <a:effectLst/>
+                <a:latin typeface="JetBrains Mono"/>
+              </a:rPr>
+              <a:t>)</a:t>
+            </a:r>
+            <a:r>
+              <a:rPr kumimoji="0" lang="ru-RU" altLang="ru-RU" sz="1000" b="0" i="0" u="none" strike="noStrike" cap="none" normalizeH="0" baseline="0" dirty="0">
+                <a:ln>
+                  <a:noFill/>
+                </a:ln>
+                <a:solidFill>
+                  <a:srgbClr val="CC7832"/>
+                </a:solidFill>
+                <a:effectLst/>
+                <a:latin typeface="JetBrains Mono"/>
+              </a:rPr>
+              <a:t>;</a:t>
+            </a:r>
+            <a:br>
+              <a:rPr kumimoji="0" lang="ru-RU" altLang="ru-RU" sz="1000" b="0" i="0" u="none" strike="noStrike" cap="none" normalizeH="0" baseline="0" dirty="0">
+                <a:ln>
+                  <a:noFill/>
+                </a:ln>
+                <a:solidFill>
+                  <a:srgbClr val="CC7832"/>
+                </a:solidFill>
+                <a:effectLst/>
+                <a:latin typeface="JetBrains Mono"/>
+              </a:rPr>
+            </a:br>
+            <a:r>
+              <a:rPr kumimoji="0" lang="ru-RU" altLang="ru-RU" sz="1000" b="0" i="0" u="none" strike="noStrike" cap="none" normalizeH="0" baseline="0" dirty="0">
+                <a:ln>
+                  <a:noFill/>
+                </a:ln>
+                <a:solidFill>
+                  <a:srgbClr val="CC7832"/>
+                </a:solidFill>
+                <a:effectLst/>
+                <a:latin typeface="JetBrains Mono"/>
+              </a:rPr>
+              <a:t>        </a:t>
+            </a:r>
+            <a:r>
+              <a:rPr kumimoji="0" lang="ru-RU" altLang="ru-RU" sz="1000" b="0" i="0" u="none" strike="noStrike" cap="none" normalizeH="0" baseline="0" dirty="0">
+                <a:ln>
+                  <a:noFill/>
+                </a:ln>
+                <a:solidFill>
+                  <a:srgbClr val="9876AA"/>
+                </a:solidFill>
+                <a:effectLst/>
+                <a:latin typeface="JetBrains Mono"/>
+              </a:rPr>
+              <a:t>userDto</a:t>
+            </a:r>
+            <a:r>
+              <a:rPr kumimoji="0" lang="ru-RU" altLang="ru-RU" sz="1000" b="0" i="0" u="none" strike="noStrike" cap="none" normalizeH="0" baseline="0" dirty="0">
+                <a:ln>
+                  <a:noFill/>
+                </a:ln>
+                <a:solidFill>
+                  <a:srgbClr val="A9B7C6"/>
+                </a:solidFill>
+                <a:effectLst/>
+                <a:latin typeface="JetBrains Mono"/>
+              </a:rPr>
+              <a:t>.setLastName(</a:t>
+            </a:r>
+            <a:r>
+              <a:rPr kumimoji="0" lang="ru-RU" altLang="ru-RU" sz="1000" b="0" i="0" u="none" strike="noStrike" cap="none" normalizeH="0" baseline="0" dirty="0">
+                <a:ln>
+                  <a:noFill/>
+                </a:ln>
+                <a:solidFill>
+                  <a:srgbClr val="6A8759"/>
+                </a:solidFill>
+                <a:effectLst/>
+                <a:latin typeface="JetBrains Mono"/>
+              </a:rPr>
+              <a:t>"LASTNAME"</a:t>
+            </a:r>
+            <a:r>
+              <a:rPr kumimoji="0" lang="ru-RU" altLang="ru-RU" sz="1000" b="0" i="0" u="none" strike="noStrike" cap="none" normalizeH="0" baseline="0" dirty="0">
+                <a:ln>
+                  <a:noFill/>
+                </a:ln>
+                <a:solidFill>
+                  <a:srgbClr val="A9B7C6"/>
+                </a:solidFill>
+                <a:effectLst/>
+                <a:latin typeface="JetBrains Mono"/>
+              </a:rPr>
+              <a:t>)</a:t>
+            </a:r>
+            <a:r>
+              <a:rPr kumimoji="0" lang="ru-RU" altLang="ru-RU" sz="1000" b="0" i="0" u="none" strike="noStrike" cap="none" normalizeH="0" baseline="0" dirty="0">
+                <a:ln>
+                  <a:noFill/>
+                </a:ln>
+                <a:solidFill>
+                  <a:srgbClr val="CC7832"/>
+                </a:solidFill>
+                <a:effectLst/>
+                <a:latin typeface="JetBrains Mono"/>
+              </a:rPr>
+              <a:t>;</a:t>
+            </a:r>
+            <a:br>
+              <a:rPr kumimoji="0" lang="ru-RU" altLang="ru-RU" sz="1000" b="0" i="0" u="none" strike="noStrike" cap="none" normalizeH="0" baseline="0" dirty="0">
+                <a:ln>
+                  <a:noFill/>
+                </a:ln>
+                <a:solidFill>
+                  <a:srgbClr val="CC7832"/>
+                </a:solidFill>
+                <a:effectLst/>
+                <a:latin typeface="JetBrains Mono"/>
+              </a:rPr>
+            </a:br>
+            <a:r>
+              <a:rPr kumimoji="0" lang="ru-RU" altLang="ru-RU" sz="1000" b="0" i="0" u="none" strike="noStrike" cap="none" normalizeH="0" baseline="0" dirty="0">
+                <a:ln>
+                  <a:noFill/>
+                </a:ln>
+                <a:solidFill>
+                  <a:srgbClr val="CC7832"/>
+                </a:solidFill>
+                <a:effectLst/>
+                <a:latin typeface="JetBrains Mono"/>
+              </a:rPr>
+              <a:t>        </a:t>
+            </a:r>
+            <a:r>
+              <a:rPr kumimoji="0" lang="ru-RU" altLang="ru-RU" sz="1000" b="0" i="0" u="none" strike="noStrike" cap="none" normalizeH="0" baseline="0" dirty="0">
+                <a:ln>
+                  <a:noFill/>
+                </a:ln>
+                <a:solidFill>
+                  <a:srgbClr val="9876AA"/>
+                </a:solidFill>
+                <a:effectLst/>
+                <a:latin typeface="JetBrains Mono"/>
+              </a:rPr>
+              <a:t>userDto</a:t>
+            </a:r>
+            <a:r>
+              <a:rPr kumimoji="0" lang="ru-RU" altLang="ru-RU" sz="1000" b="0" i="0" u="none" strike="noStrike" cap="none" normalizeH="0" baseline="0" dirty="0">
+                <a:ln>
+                  <a:noFill/>
+                </a:ln>
+                <a:solidFill>
+                  <a:srgbClr val="A9B7C6"/>
+                </a:solidFill>
+                <a:effectLst/>
+                <a:latin typeface="JetBrains Mono"/>
+              </a:rPr>
+              <a:t>.setUsername(</a:t>
+            </a:r>
+            <a:r>
+              <a:rPr kumimoji="0" lang="ru-RU" altLang="ru-RU" sz="1000" b="0" i="0" u="none" strike="noStrike" cap="none" normalizeH="0" baseline="0" dirty="0">
+                <a:ln>
+                  <a:noFill/>
+                </a:ln>
+                <a:solidFill>
+                  <a:srgbClr val="6A8759"/>
+                </a:solidFill>
+                <a:effectLst/>
+                <a:latin typeface="JetBrains Mono"/>
+              </a:rPr>
+              <a:t>"USERNAME"</a:t>
+            </a:r>
+            <a:r>
+              <a:rPr kumimoji="0" lang="ru-RU" altLang="ru-RU" sz="1000" b="0" i="0" u="none" strike="noStrike" cap="none" normalizeH="0" baseline="0" dirty="0">
+                <a:ln>
+                  <a:noFill/>
+                </a:ln>
+                <a:solidFill>
+                  <a:srgbClr val="A9B7C6"/>
+                </a:solidFill>
+                <a:effectLst/>
+                <a:latin typeface="JetBrains Mono"/>
+              </a:rPr>
+              <a:t>)</a:t>
+            </a:r>
+            <a:r>
+              <a:rPr kumimoji="0" lang="ru-RU" altLang="ru-RU" sz="1000" b="0" i="0" u="none" strike="noStrike" cap="none" normalizeH="0" baseline="0" dirty="0">
+                <a:ln>
+                  <a:noFill/>
+                </a:ln>
+                <a:solidFill>
+                  <a:srgbClr val="CC7832"/>
+                </a:solidFill>
+                <a:effectLst/>
+                <a:latin typeface="JetBrains Mono"/>
+              </a:rPr>
+              <a:t>;</a:t>
+            </a:r>
+            <a:br>
+              <a:rPr kumimoji="0" lang="ru-RU" altLang="ru-RU" sz="1000" b="0" i="0" u="none" strike="noStrike" cap="none" normalizeH="0" baseline="0" dirty="0">
+                <a:ln>
+                  <a:noFill/>
+                </a:ln>
+                <a:solidFill>
+                  <a:srgbClr val="CC7832"/>
+                </a:solidFill>
+                <a:effectLst/>
+                <a:latin typeface="JetBrains Mono"/>
+              </a:rPr>
+            </a:br>
+            <a:r>
+              <a:rPr kumimoji="0" lang="ru-RU" altLang="ru-RU" sz="1000" b="0" i="0" u="none" strike="noStrike" cap="none" normalizeH="0" baseline="0" dirty="0">
+                <a:ln>
+                  <a:noFill/>
+                </a:ln>
+                <a:solidFill>
+                  <a:srgbClr val="CC7832"/>
+                </a:solidFill>
+                <a:effectLst/>
+                <a:latin typeface="JetBrains Mono"/>
+              </a:rPr>
+              <a:t>        </a:t>
+            </a:r>
+            <a:r>
+              <a:rPr kumimoji="0" lang="ru-RU" altLang="ru-RU" sz="1000" b="0" i="0" u="none" strike="noStrike" cap="none" normalizeH="0" baseline="0" dirty="0">
+                <a:ln>
+                  <a:noFill/>
+                </a:ln>
+                <a:solidFill>
+                  <a:srgbClr val="9876AA"/>
+                </a:solidFill>
+                <a:effectLst/>
+                <a:latin typeface="JetBrains Mono"/>
+              </a:rPr>
+              <a:t>userDto</a:t>
+            </a:r>
+            <a:r>
+              <a:rPr kumimoji="0" lang="ru-RU" altLang="ru-RU" sz="1000" b="0" i="0" u="none" strike="noStrike" cap="none" normalizeH="0" baseline="0" dirty="0">
+                <a:ln>
+                  <a:noFill/>
+                </a:ln>
+                <a:solidFill>
+                  <a:srgbClr val="A9B7C6"/>
+                </a:solidFill>
+                <a:effectLst/>
+                <a:latin typeface="JetBrains Mono"/>
+              </a:rPr>
+              <a:t>.setPassword(</a:t>
+            </a:r>
+            <a:r>
+              <a:rPr kumimoji="0" lang="ru-RU" altLang="ru-RU" sz="1000" b="0" i="0" u="none" strike="noStrike" cap="none" normalizeH="0" baseline="0" dirty="0">
+                <a:ln>
+                  <a:noFill/>
+                </a:ln>
+                <a:solidFill>
+                  <a:srgbClr val="6A8759"/>
+                </a:solidFill>
+                <a:effectLst/>
+                <a:latin typeface="JetBrains Mono"/>
+              </a:rPr>
+              <a:t>"PASSWORD"</a:t>
+            </a:r>
+            <a:r>
+              <a:rPr kumimoji="0" lang="ru-RU" altLang="ru-RU" sz="1000" b="0" i="0" u="none" strike="noStrike" cap="none" normalizeH="0" baseline="0" dirty="0">
+                <a:ln>
+                  <a:noFill/>
+                </a:ln>
+                <a:solidFill>
+                  <a:srgbClr val="A9B7C6"/>
+                </a:solidFill>
+                <a:effectLst/>
+                <a:latin typeface="JetBrains Mono"/>
+              </a:rPr>
+              <a:t>)</a:t>
+            </a:r>
+            <a:r>
+              <a:rPr kumimoji="0" lang="ru-RU" altLang="ru-RU" sz="1000" b="0" i="0" u="none" strike="noStrike" cap="none" normalizeH="0" baseline="0" dirty="0">
+                <a:ln>
+                  <a:noFill/>
+                </a:ln>
+                <a:solidFill>
+                  <a:srgbClr val="CC7832"/>
+                </a:solidFill>
+                <a:effectLst/>
+                <a:latin typeface="JetBrains Mono"/>
+              </a:rPr>
+              <a:t>;</a:t>
+            </a:r>
+            <a:br>
+              <a:rPr kumimoji="0" lang="ru-RU" altLang="ru-RU" sz="1000" b="0" i="0" u="none" strike="noStrike" cap="none" normalizeH="0" baseline="0" dirty="0">
+                <a:ln>
+                  <a:noFill/>
+                </a:ln>
+                <a:solidFill>
+                  <a:srgbClr val="CC7832"/>
+                </a:solidFill>
+                <a:effectLst/>
+                <a:latin typeface="JetBrains Mono"/>
+              </a:rPr>
+            </a:br>
+            <a:r>
+              <a:rPr kumimoji="0" lang="ru-RU" altLang="ru-RU" sz="1000" b="0" i="0" u="none" strike="noStrike" cap="none" normalizeH="0" baseline="0" dirty="0">
+                <a:ln>
+                  <a:noFill/>
+                </a:ln>
+                <a:solidFill>
+                  <a:srgbClr val="CC7832"/>
+                </a:solidFill>
+                <a:effectLst/>
+                <a:latin typeface="JetBrains Mono"/>
+              </a:rPr>
+              <a:t>        </a:t>
+            </a:r>
+            <a:r>
+              <a:rPr kumimoji="0" lang="ru-RU" altLang="ru-RU" sz="1000" b="0" i="0" u="none" strike="noStrike" cap="none" normalizeH="0" baseline="0" dirty="0">
+                <a:ln>
+                  <a:noFill/>
+                </a:ln>
+                <a:solidFill>
+                  <a:srgbClr val="9876AA"/>
+                </a:solidFill>
+                <a:effectLst/>
+                <a:latin typeface="JetBrains Mono"/>
+              </a:rPr>
+              <a:t>userDto</a:t>
+            </a:r>
+            <a:r>
+              <a:rPr kumimoji="0" lang="ru-RU" altLang="ru-RU" sz="1000" b="0" i="0" u="none" strike="noStrike" cap="none" normalizeH="0" baseline="0" dirty="0">
+                <a:ln>
+                  <a:noFill/>
+                </a:ln>
+                <a:solidFill>
+                  <a:srgbClr val="A9B7C6"/>
+                </a:solidFill>
+                <a:effectLst/>
+                <a:latin typeface="JetBrains Mono"/>
+              </a:rPr>
+              <a:t>.setPhone(</a:t>
+            </a:r>
+            <a:r>
+              <a:rPr kumimoji="0" lang="ru-RU" altLang="ru-RU" sz="1000" b="0" i="0" u="none" strike="noStrike" cap="none" normalizeH="0" baseline="0" dirty="0">
+                <a:ln>
+                  <a:noFill/>
+                </a:ln>
+                <a:solidFill>
+                  <a:srgbClr val="6A8759"/>
+                </a:solidFill>
+                <a:effectLst/>
+                <a:latin typeface="JetBrains Mono"/>
+              </a:rPr>
+              <a:t>"PHONE"</a:t>
+            </a:r>
+            <a:r>
+              <a:rPr kumimoji="0" lang="ru-RU" altLang="ru-RU" sz="1000" b="0" i="0" u="none" strike="noStrike" cap="none" normalizeH="0" baseline="0" dirty="0">
+                <a:ln>
+                  <a:noFill/>
+                </a:ln>
+                <a:solidFill>
+                  <a:srgbClr val="A9B7C6"/>
+                </a:solidFill>
+                <a:effectLst/>
+                <a:latin typeface="JetBrains Mono"/>
+              </a:rPr>
+              <a:t>)</a:t>
+            </a:r>
+            <a:r>
+              <a:rPr kumimoji="0" lang="ru-RU" altLang="ru-RU" sz="1000" b="0" i="0" u="none" strike="noStrike" cap="none" normalizeH="0" baseline="0" dirty="0">
+                <a:ln>
+                  <a:noFill/>
+                </a:ln>
+                <a:solidFill>
+                  <a:srgbClr val="CC7832"/>
+                </a:solidFill>
+                <a:effectLst/>
+                <a:latin typeface="JetBrains Mono"/>
+              </a:rPr>
+              <a:t>;</a:t>
+            </a:r>
+            <a:br>
+              <a:rPr kumimoji="0" lang="ru-RU" altLang="ru-RU" sz="1000" b="0" i="0" u="none" strike="noStrike" cap="none" normalizeH="0" baseline="0" dirty="0">
+                <a:ln>
+                  <a:noFill/>
+                </a:ln>
+                <a:solidFill>
+                  <a:srgbClr val="CC7832"/>
+                </a:solidFill>
+                <a:effectLst/>
+                <a:latin typeface="JetBrains Mono"/>
+              </a:rPr>
+            </a:br>
+            <a:br>
+              <a:rPr kumimoji="0" lang="ru-RU" altLang="ru-RU" sz="1000" b="0" i="0" u="none" strike="noStrike" cap="none" normalizeH="0" baseline="0" dirty="0">
+                <a:ln>
+                  <a:noFill/>
+                </a:ln>
+                <a:solidFill>
+                  <a:srgbClr val="CC7832"/>
+                </a:solidFill>
+                <a:effectLst/>
+                <a:latin typeface="JetBrains Mono"/>
+              </a:rPr>
+            </a:br>
+            <a:r>
+              <a:rPr kumimoji="0" lang="ru-RU" altLang="ru-RU" sz="1000" b="0" i="0" u="none" strike="noStrike" cap="none" normalizeH="0" baseline="0" dirty="0">
+                <a:ln>
+                  <a:noFill/>
+                </a:ln>
+                <a:solidFill>
+                  <a:srgbClr val="CC7832"/>
+                </a:solidFill>
+                <a:effectLst/>
+                <a:latin typeface="JetBrains Mono"/>
+              </a:rPr>
+              <a:t>        </a:t>
+            </a:r>
+            <a:r>
+              <a:rPr kumimoji="0" lang="ru-RU" altLang="ru-RU" sz="1000" b="0" i="0" u="none" strike="noStrike" cap="none" normalizeH="0" baseline="0" dirty="0">
+                <a:ln>
+                  <a:noFill/>
+                </a:ln>
+                <a:solidFill>
+                  <a:srgbClr val="9876AA"/>
+                </a:solidFill>
+                <a:effectLst/>
+                <a:latin typeface="JetBrains Mono"/>
+              </a:rPr>
+              <a:t>user </a:t>
+            </a:r>
+            <a:r>
+              <a:rPr kumimoji="0" lang="ru-RU" altLang="ru-RU" sz="1000" b="0" i="0" u="none" strike="noStrike" cap="none" normalizeH="0" baseline="0" dirty="0">
+                <a:ln>
+                  <a:noFill/>
+                </a:ln>
+                <a:solidFill>
+                  <a:srgbClr val="A9B7C6"/>
+                </a:solidFill>
+                <a:effectLst/>
+                <a:latin typeface="JetBrains Mono"/>
+              </a:rPr>
+              <a:t>= </a:t>
+            </a:r>
+            <a:r>
+              <a:rPr kumimoji="0" lang="ru-RU" altLang="ru-RU" sz="1000" b="0" i="0" u="none" strike="noStrike" cap="none" normalizeH="0" baseline="0" dirty="0">
+                <a:ln>
+                  <a:noFill/>
+                </a:ln>
+                <a:solidFill>
+                  <a:srgbClr val="CC7832"/>
+                </a:solidFill>
+                <a:effectLst/>
+                <a:latin typeface="JetBrains Mono"/>
+              </a:rPr>
+              <a:t>new </a:t>
+            </a:r>
+            <a:r>
+              <a:rPr kumimoji="0" lang="ru-RU" altLang="ru-RU" sz="1000" b="0" i="0" u="none" strike="noStrike" cap="none" normalizeH="0" baseline="0" dirty="0">
+                <a:ln>
+                  <a:noFill/>
+                </a:ln>
+                <a:solidFill>
+                  <a:srgbClr val="A9B7C6"/>
+                </a:solidFill>
+                <a:effectLst/>
+                <a:latin typeface="JetBrains Mono"/>
+              </a:rPr>
+              <a:t>User()</a:t>
+            </a:r>
+            <a:r>
+              <a:rPr kumimoji="0" lang="ru-RU" altLang="ru-RU" sz="1000" b="0" i="0" u="none" strike="noStrike" cap="none" normalizeH="0" baseline="0" dirty="0">
+                <a:ln>
+                  <a:noFill/>
+                </a:ln>
+                <a:solidFill>
+                  <a:srgbClr val="CC7832"/>
+                </a:solidFill>
+                <a:effectLst/>
+                <a:latin typeface="JetBrains Mono"/>
+              </a:rPr>
+              <a:t>;</a:t>
+            </a:r>
+            <a:br>
+              <a:rPr kumimoji="0" lang="ru-RU" altLang="ru-RU" sz="1000" b="0" i="0" u="none" strike="noStrike" cap="none" normalizeH="0" baseline="0" dirty="0">
+                <a:ln>
+                  <a:noFill/>
+                </a:ln>
+                <a:solidFill>
+                  <a:srgbClr val="CC7832"/>
+                </a:solidFill>
+                <a:effectLst/>
+                <a:latin typeface="JetBrains Mono"/>
+              </a:rPr>
+            </a:br>
+            <a:r>
+              <a:rPr kumimoji="0" lang="ru-RU" altLang="ru-RU" sz="1000" b="0" i="0" u="none" strike="noStrike" cap="none" normalizeH="0" baseline="0" dirty="0">
+                <a:ln>
+                  <a:noFill/>
+                </a:ln>
+                <a:solidFill>
+                  <a:srgbClr val="CC7832"/>
+                </a:solidFill>
+                <a:effectLst/>
+                <a:latin typeface="JetBrains Mono"/>
+              </a:rPr>
+              <a:t>        </a:t>
+            </a:r>
+            <a:r>
+              <a:rPr kumimoji="0" lang="ru-RU" altLang="ru-RU" sz="1000" b="0" i="0" u="none" strike="noStrike" cap="none" normalizeH="0" baseline="0" dirty="0">
+                <a:ln>
+                  <a:noFill/>
+                </a:ln>
+                <a:solidFill>
+                  <a:srgbClr val="9876AA"/>
+                </a:solidFill>
+                <a:effectLst/>
+                <a:latin typeface="JetBrains Mono"/>
+              </a:rPr>
+              <a:t>user</a:t>
+            </a:r>
+            <a:r>
+              <a:rPr kumimoji="0" lang="ru-RU" altLang="ru-RU" sz="1000" b="0" i="0" u="none" strike="noStrike" cap="none" normalizeH="0" baseline="0" dirty="0">
+                <a:ln>
+                  <a:noFill/>
+                </a:ln>
+                <a:solidFill>
+                  <a:srgbClr val="A9B7C6"/>
+                </a:solidFill>
+                <a:effectLst/>
+                <a:latin typeface="JetBrains Mono"/>
+              </a:rPr>
+              <a:t>.setFirstName(</a:t>
+            </a:r>
+            <a:r>
+              <a:rPr kumimoji="0" lang="ru-RU" altLang="ru-RU" sz="1000" b="0" i="0" u="none" strike="noStrike" cap="none" normalizeH="0" baseline="0" dirty="0">
+                <a:ln>
+                  <a:noFill/>
+                </a:ln>
+                <a:solidFill>
+                  <a:srgbClr val="9876AA"/>
+                </a:solidFill>
+                <a:effectLst/>
+                <a:latin typeface="JetBrains Mono"/>
+              </a:rPr>
+              <a:t>userDto</a:t>
+            </a:r>
+            <a:r>
+              <a:rPr kumimoji="0" lang="ru-RU" altLang="ru-RU" sz="1000" b="0" i="0" u="none" strike="noStrike" cap="none" normalizeH="0" baseline="0" dirty="0">
+                <a:ln>
+                  <a:noFill/>
+                </a:ln>
+                <a:solidFill>
+                  <a:srgbClr val="A9B7C6"/>
+                </a:solidFill>
+                <a:effectLst/>
+                <a:latin typeface="JetBrains Mono"/>
+              </a:rPr>
+              <a:t>.getFirstName())</a:t>
+            </a:r>
+            <a:r>
+              <a:rPr kumimoji="0" lang="ru-RU" altLang="ru-RU" sz="1000" b="0" i="0" u="none" strike="noStrike" cap="none" normalizeH="0" baseline="0" dirty="0">
+                <a:ln>
+                  <a:noFill/>
+                </a:ln>
+                <a:solidFill>
+                  <a:srgbClr val="CC7832"/>
+                </a:solidFill>
+                <a:effectLst/>
+                <a:latin typeface="JetBrains Mono"/>
+              </a:rPr>
+              <a:t>;</a:t>
+            </a:r>
+            <a:br>
+              <a:rPr kumimoji="0" lang="ru-RU" altLang="ru-RU" sz="1000" b="0" i="0" u="none" strike="noStrike" cap="none" normalizeH="0" baseline="0" dirty="0">
+                <a:ln>
+                  <a:noFill/>
+                </a:ln>
+                <a:solidFill>
+                  <a:srgbClr val="CC7832"/>
+                </a:solidFill>
+                <a:effectLst/>
+                <a:latin typeface="JetBrains Mono"/>
+              </a:rPr>
+            </a:br>
+            <a:r>
+              <a:rPr kumimoji="0" lang="ru-RU" altLang="ru-RU" sz="1000" b="0" i="0" u="none" strike="noStrike" cap="none" normalizeH="0" baseline="0" dirty="0">
+                <a:ln>
+                  <a:noFill/>
+                </a:ln>
+                <a:solidFill>
+                  <a:srgbClr val="CC7832"/>
+                </a:solidFill>
+                <a:effectLst/>
+                <a:latin typeface="JetBrains Mono"/>
+              </a:rPr>
+              <a:t>        </a:t>
+            </a:r>
+            <a:r>
+              <a:rPr kumimoji="0" lang="ru-RU" altLang="ru-RU" sz="1000" b="0" i="0" u="none" strike="noStrike" cap="none" normalizeH="0" baseline="0" dirty="0">
+                <a:ln>
+                  <a:noFill/>
+                </a:ln>
+                <a:solidFill>
+                  <a:srgbClr val="9876AA"/>
+                </a:solidFill>
+                <a:effectLst/>
+                <a:latin typeface="JetBrains Mono"/>
+              </a:rPr>
+              <a:t>user</a:t>
+            </a:r>
+            <a:r>
+              <a:rPr kumimoji="0" lang="ru-RU" altLang="ru-RU" sz="1000" b="0" i="0" u="none" strike="noStrike" cap="none" normalizeH="0" baseline="0" dirty="0">
+                <a:ln>
+                  <a:noFill/>
+                </a:ln>
+                <a:solidFill>
+                  <a:srgbClr val="A9B7C6"/>
+                </a:solidFill>
+                <a:effectLst/>
+                <a:latin typeface="JetBrains Mono"/>
+              </a:rPr>
+              <a:t>.setLastName(</a:t>
+            </a:r>
+            <a:r>
+              <a:rPr kumimoji="0" lang="ru-RU" altLang="ru-RU" sz="1000" b="0" i="0" u="none" strike="noStrike" cap="none" normalizeH="0" baseline="0" dirty="0">
+                <a:ln>
+                  <a:noFill/>
+                </a:ln>
+                <a:solidFill>
+                  <a:srgbClr val="9876AA"/>
+                </a:solidFill>
+                <a:effectLst/>
+                <a:latin typeface="JetBrains Mono"/>
+              </a:rPr>
+              <a:t>userDto</a:t>
+            </a:r>
+            <a:r>
+              <a:rPr kumimoji="0" lang="ru-RU" altLang="ru-RU" sz="1000" b="0" i="0" u="none" strike="noStrike" cap="none" normalizeH="0" baseline="0" dirty="0">
+                <a:ln>
+                  <a:noFill/>
+                </a:ln>
+                <a:solidFill>
+                  <a:srgbClr val="A9B7C6"/>
+                </a:solidFill>
+                <a:effectLst/>
+                <a:latin typeface="JetBrains Mono"/>
+              </a:rPr>
+              <a:t>.getLastName())</a:t>
+            </a:r>
+            <a:r>
+              <a:rPr kumimoji="0" lang="ru-RU" altLang="ru-RU" sz="1000" b="0" i="0" u="none" strike="noStrike" cap="none" normalizeH="0" baseline="0" dirty="0">
+                <a:ln>
+                  <a:noFill/>
+                </a:ln>
+                <a:solidFill>
+                  <a:srgbClr val="CC7832"/>
+                </a:solidFill>
+                <a:effectLst/>
+                <a:latin typeface="JetBrains Mono"/>
+              </a:rPr>
+              <a:t>;</a:t>
+            </a:r>
+            <a:br>
+              <a:rPr kumimoji="0" lang="ru-RU" altLang="ru-RU" sz="1000" b="0" i="0" u="none" strike="noStrike" cap="none" normalizeH="0" baseline="0" dirty="0">
+                <a:ln>
+                  <a:noFill/>
+                </a:ln>
+                <a:solidFill>
+                  <a:srgbClr val="CC7832"/>
+                </a:solidFill>
+                <a:effectLst/>
+                <a:latin typeface="JetBrains Mono"/>
+              </a:rPr>
+            </a:br>
+            <a:r>
+              <a:rPr kumimoji="0" lang="ru-RU" altLang="ru-RU" sz="1000" b="0" i="0" u="none" strike="noStrike" cap="none" normalizeH="0" baseline="0" dirty="0">
+                <a:ln>
+                  <a:noFill/>
+                </a:ln>
+                <a:solidFill>
+                  <a:srgbClr val="CC7832"/>
+                </a:solidFill>
+                <a:effectLst/>
+                <a:latin typeface="JetBrains Mono"/>
+              </a:rPr>
+              <a:t>        </a:t>
+            </a:r>
+            <a:r>
+              <a:rPr kumimoji="0" lang="ru-RU" altLang="ru-RU" sz="1000" b="0" i="0" u="none" strike="noStrike" cap="none" normalizeH="0" baseline="0" dirty="0">
+                <a:ln>
+                  <a:noFill/>
+                </a:ln>
+                <a:solidFill>
+                  <a:srgbClr val="9876AA"/>
+                </a:solidFill>
+                <a:effectLst/>
+                <a:latin typeface="JetBrains Mono"/>
+              </a:rPr>
+              <a:t>user</a:t>
+            </a:r>
+            <a:r>
+              <a:rPr kumimoji="0" lang="ru-RU" altLang="ru-RU" sz="1000" b="0" i="0" u="none" strike="noStrike" cap="none" normalizeH="0" baseline="0" dirty="0">
+                <a:ln>
+                  <a:noFill/>
+                </a:ln>
+                <a:solidFill>
+                  <a:srgbClr val="A9B7C6"/>
+                </a:solidFill>
+                <a:effectLst/>
+                <a:latin typeface="JetBrains Mono"/>
+              </a:rPr>
+              <a:t>.setUsername(</a:t>
+            </a:r>
+            <a:r>
+              <a:rPr kumimoji="0" lang="ru-RU" altLang="ru-RU" sz="1000" b="0" i="0" u="none" strike="noStrike" cap="none" normalizeH="0" baseline="0" dirty="0">
+                <a:ln>
+                  <a:noFill/>
+                </a:ln>
+                <a:solidFill>
+                  <a:srgbClr val="9876AA"/>
+                </a:solidFill>
+                <a:effectLst/>
+                <a:latin typeface="JetBrains Mono"/>
+              </a:rPr>
+              <a:t>userDto</a:t>
+            </a:r>
+            <a:r>
+              <a:rPr kumimoji="0" lang="ru-RU" altLang="ru-RU" sz="1000" b="0" i="0" u="none" strike="noStrike" cap="none" normalizeH="0" baseline="0" dirty="0">
+                <a:ln>
+                  <a:noFill/>
+                </a:ln>
+                <a:solidFill>
+                  <a:srgbClr val="A9B7C6"/>
+                </a:solidFill>
+                <a:effectLst/>
+                <a:latin typeface="JetBrains Mono"/>
+              </a:rPr>
+              <a:t>.getUsername())</a:t>
+            </a:r>
+            <a:r>
+              <a:rPr kumimoji="0" lang="ru-RU" altLang="ru-RU" sz="1000" b="0" i="0" u="none" strike="noStrike" cap="none" normalizeH="0" baseline="0" dirty="0">
+                <a:ln>
+                  <a:noFill/>
+                </a:ln>
+                <a:solidFill>
+                  <a:srgbClr val="CC7832"/>
+                </a:solidFill>
+                <a:effectLst/>
+                <a:latin typeface="JetBrains Mono"/>
+              </a:rPr>
+              <a:t>;</a:t>
+            </a:r>
+            <a:br>
+              <a:rPr kumimoji="0" lang="ru-RU" altLang="ru-RU" sz="1000" b="0" i="0" u="none" strike="noStrike" cap="none" normalizeH="0" baseline="0" dirty="0">
+                <a:ln>
+                  <a:noFill/>
+                </a:ln>
+                <a:solidFill>
+                  <a:srgbClr val="CC7832"/>
+                </a:solidFill>
+                <a:effectLst/>
+                <a:latin typeface="JetBrains Mono"/>
+              </a:rPr>
+            </a:br>
+            <a:r>
+              <a:rPr kumimoji="0" lang="ru-RU" altLang="ru-RU" sz="1000" b="0" i="0" u="none" strike="noStrike" cap="none" normalizeH="0" baseline="0" dirty="0">
+                <a:ln>
+                  <a:noFill/>
+                </a:ln>
+                <a:solidFill>
+                  <a:srgbClr val="CC7832"/>
+                </a:solidFill>
+                <a:effectLst/>
+                <a:latin typeface="JetBrains Mono"/>
+              </a:rPr>
+              <a:t>        </a:t>
+            </a:r>
+            <a:r>
+              <a:rPr kumimoji="0" lang="ru-RU" altLang="ru-RU" sz="1000" b="0" i="0" u="none" strike="noStrike" cap="none" normalizeH="0" baseline="0" dirty="0">
+                <a:ln>
+                  <a:noFill/>
+                </a:ln>
+                <a:solidFill>
+                  <a:srgbClr val="9876AA"/>
+                </a:solidFill>
+                <a:effectLst/>
+                <a:latin typeface="JetBrains Mono"/>
+              </a:rPr>
+              <a:t>user</a:t>
+            </a:r>
+            <a:r>
+              <a:rPr kumimoji="0" lang="ru-RU" altLang="ru-RU" sz="1000" b="0" i="0" u="none" strike="noStrike" cap="none" normalizeH="0" baseline="0" dirty="0">
+                <a:ln>
+                  <a:noFill/>
+                </a:ln>
+                <a:solidFill>
+                  <a:srgbClr val="A9B7C6"/>
+                </a:solidFill>
+                <a:effectLst/>
+                <a:latin typeface="JetBrains Mono"/>
+              </a:rPr>
+              <a:t>.setPhone(</a:t>
+            </a:r>
+            <a:r>
+              <a:rPr kumimoji="0" lang="ru-RU" altLang="ru-RU" sz="1000" b="0" i="0" u="none" strike="noStrike" cap="none" normalizeH="0" baseline="0" dirty="0">
+                <a:ln>
+                  <a:noFill/>
+                </a:ln>
+                <a:solidFill>
+                  <a:srgbClr val="9876AA"/>
+                </a:solidFill>
+                <a:effectLst/>
+                <a:latin typeface="JetBrains Mono"/>
+              </a:rPr>
+              <a:t>userDto</a:t>
+            </a:r>
+            <a:r>
+              <a:rPr kumimoji="0" lang="ru-RU" altLang="ru-RU" sz="1000" b="0" i="0" u="none" strike="noStrike" cap="none" normalizeH="0" baseline="0" dirty="0">
+                <a:ln>
+                  <a:noFill/>
+                </a:ln>
+                <a:solidFill>
+                  <a:srgbClr val="A9B7C6"/>
+                </a:solidFill>
+                <a:effectLst/>
+                <a:latin typeface="JetBrains Mono"/>
+              </a:rPr>
+              <a:t>.getPhone())</a:t>
+            </a:r>
+            <a:r>
+              <a:rPr kumimoji="0" lang="ru-RU" altLang="ru-RU" sz="1000" b="0" i="0" u="none" strike="noStrike" cap="none" normalizeH="0" baseline="0" dirty="0">
+                <a:ln>
+                  <a:noFill/>
+                </a:ln>
+                <a:solidFill>
+                  <a:srgbClr val="CC7832"/>
+                </a:solidFill>
+                <a:effectLst/>
+                <a:latin typeface="JetBrains Mono"/>
+              </a:rPr>
+              <a:t>;</a:t>
+            </a:r>
+            <a:br>
+              <a:rPr kumimoji="0" lang="ru-RU" altLang="ru-RU" sz="1000" b="0" i="0" u="none" strike="noStrike" cap="none" normalizeH="0" baseline="0" dirty="0">
+                <a:ln>
+                  <a:noFill/>
+                </a:ln>
+                <a:solidFill>
+                  <a:srgbClr val="CC7832"/>
+                </a:solidFill>
+                <a:effectLst/>
+                <a:latin typeface="JetBrains Mono"/>
+              </a:rPr>
+            </a:br>
+            <a:r>
+              <a:rPr kumimoji="0" lang="ru-RU" altLang="ru-RU" sz="1000" b="0" i="0" u="none" strike="noStrike" cap="none" normalizeH="0" baseline="0" dirty="0">
+                <a:ln>
+                  <a:noFill/>
+                </a:ln>
+                <a:solidFill>
+                  <a:srgbClr val="CC7832"/>
+                </a:solidFill>
+                <a:effectLst/>
+                <a:latin typeface="JetBrains Mono"/>
+              </a:rPr>
+              <a:t>    </a:t>
+            </a:r>
+            <a:r>
+              <a:rPr kumimoji="0" lang="ru-RU" altLang="ru-RU" sz="1000" b="0" i="0" u="none" strike="noStrike" cap="none" normalizeH="0" baseline="0" dirty="0">
+                <a:ln>
+                  <a:noFill/>
+                </a:ln>
+                <a:solidFill>
+                  <a:srgbClr val="A9B7C6"/>
+                </a:solidFill>
+                <a:effectLst/>
+                <a:latin typeface="JetBrains Mono"/>
+              </a:rPr>
+              <a:t>}</a:t>
+            </a:r>
+            <a:br>
+              <a:rPr kumimoji="0" lang="ru-RU" altLang="ru-RU" sz="1000" b="0" i="0" u="none" strike="noStrike" cap="none" normalizeH="0" baseline="0" dirty="0">
+                <a:ln>
+                  <a:noFill/>
+                </a:ln>
+                <a:solidFill>
+                  <a:srgbClr val="A9B7C6"/>
+                </a:solidFill>
+                <a:effectLst/>
+                <a:latin typeface="JetBrains Mono"/>
+              </a:rPr>
+            </a:br>
+            <a:endParaRPr kumimoji="0" lang="ru-RU" altLang="ru-RU" sz="1800" b="0" i="0" u="none" strike="noStrike" cap="none" normalizeH="0" baseline="0" dirty="0">
+              <a:ln>
+                <a:noFill/>
+              </a:ln>
+              <a:solidFill>
+                <a:schemeClr val="tx1"/>
+              </a:solidFill>
+              <a:effectLst/>
+              <a:latin typeface="Arial" panose="020B0604020202020204" pitchFamily="34" charset="0"/>
+            </a:endParaRPr>
+          </a:p>
+        </p:txBody>
+      </p:sp>
+      <p:sp>
+        <p:nvSpPr>
+          <p:cNvPr id="7" name="Rectangle 3">
+            <a:extLst>
+              <a:ext uri="{FF2B5EF4-FFF2-40B4-BE49-F238E27FC236}">
+                <a16:creationId xmlns:a16="http://schemas.microsoft.com/office/drawing/2014/main" id="{BBC4FC69-31A2-4159-A028-9791AE106417}"/>
+              </a:ext>
+            </a:extLst>
+          </p:cNvPr>
+          <p:cNvSpPr>
+            <a:spLocks noChangeArrowheads="1"/>
+          </p:cNvSpPr>
+          <p:nvPr/>
+        </p:nvSpPr>
+        <p:spPr bwMode="auto">
+          <a:xfrm>
+            <a:off x="5245424" y="2469047"/>
+            <a:ext cx="6262576" cy="2554545"/>
+          </a:xfrm>
+          <a:prstGeom prst="rect">
+            <a:avLst/>
+          </a:prstGeom>
+          <a:solidFill>
+            <a:srgbClr val="2B2B2B"/>
+          </a:solidFill>
+          <a:ln>
+            <a:noFill/>
+          </a:ln>
+          <a:effectLst/>
+          <a:extLst>
+            <a:ext uri="{91240B29-F687-4F45-9708-019B960494DF}">
+              <a14:hiddenLine xmlns:a14="http://schemas.microsoft.com/office/drawing/2010/main" w="9525">
+                <a:solidFill>
+                  <a:schemeClr val="tx1"/>
+                </a:solidFill>
+                <a:miter lim="800000"/>
+                <a:headEnd/>
+                <a:tailEnd/>
+              </a14:hiddenLine>
+            </a:ext>
+            <a:ext uri="{AF507438-7753-43E0-B8FC-AC1667EBCBE1}">
+              <a14:hiddenEffects xmlns:a14="http://schemas.microsoft.com/office/drawing/2010/main">
+                <a:effectLst>
+                  <a:outerShdw dist="35921" dir="2700000" algn="ctr" rotWithShape="0">
+                    <a:schemeClr val="bg2"/>
+                  </a:outerShdw>
+                </a:effectLst>
+              </a14:hiddenEffects>
+            </a:ext>
+          </a:extLst>
+        </p:spPr>
+        <p:txBody>
+          <a:bodyPr vert="horz" wrap="square" lIns="91440" tIns="45720" rIns="91440" bIns="45720" numCol="1" anchor="ctr" anchorCtr="0" compatLnSpc="1">
+            <a:prstTxWarp prst="textNoShape">
+              <a:avLst/>
+            </a:prstTxWarp>
+            <a:spAutoFit/>
+          </a:bodyPr>
+          <a:lstStyle/>
+          <a:p>
+            <a:pPr marL="0" marR="0" lvl="0" indent="0" algn="l" defTabSz="914400" rtl="0" eaLnBrk="0" fontAlgn="base" latinLnBrk="0" hangingPunct="0">
+              <a:lnSpc>
+                <a:spcPct val="100000"/>
+              </a:lnSpc>
+              <a:spcBef>
+                <a:spcPct val="0"/>
+              </a:spcBef>
+              <a:spcAft>
+                <a:spcPct val="0"/>
+              </a:spcAft>
+              <a:buClrTx/>
+              <a:buSzTx/>
+              <a:buFontTx/>
+              <a:buNone/>
+              <a:tabLst/>
+            </a:pPr>
+            <a:r>
+              <a:rPr kumimoji="0" lang="ru-RU" altLang="ru-RU" sz="1000" b="0" i="0" u="none" strike="noStrike" cap="none" normalizeH="0" baseline="0" dirty="0">
+                <a:ln>
+                  <a:noFill/>
+                </a:ln>
+                <a:solidFill>
+                  <a:srgbClr val="BBB529"/>
+                </a:solidFill>
+                <a:effectLst/>
+                <a:latin typeface="JetBrains Mono"/>
+              </a:rPr>
+              <a:t>@Test</a:t>
+            </a:r>
+            <a:br>
+              <a:rPr kumimoji="0" lang="ru-RU" altLang="ru-RU" sz="1000" b="0" i="0" u="none" strike="noStrike" cap="none" normalizeH="0" baseline="0" dirty="0">
+                <a:ln>
+                  <a:noFill/>
+                </a:ln>
+                <a:solidFill>
+                  <a:srgbClr val="BBB529"/>
+                </a:solidFill>
+                <a:effectLst/>
+                <a:latin typeface="JetBrains Mono"/>
+              </a:rPr>
+            </a:br>
+            <a:r>
+              <a:rPr kumimoji="0" lang="ru-RU" altLang="ru-RU" sz="1000" b="0" i="0" u="none" strike="noStrike" cap="none" normalizeH="0" baseline="0" dirty="0">
+                <a:ln>
+                  <a:noFill/>
+                </a:ln>
+                <a:solidFill>
+                  <a:srgbClr val="CC7832"/>
+                </a:solidFill>
+                <a:effectLst/>
+                <a:latin typeface="JetBrains Mono"/>
+              </a:rPr>
+              <a:t>void </a:t>
+            </a:r>
+            <a:r>
+              <a:rPr kumimoji="0" lang="ru-RU" altLang="ru-RU" sz="1000" b="0" i="0" u="none" strike="noStrike" cap="none" normalizeH="0" baseline="0" dirty="0">
+                <a:ln>
+                  <a:noFill/>
+                </a:ln>
+                <a:solidFill>
+                  <a:srgbClr val="FFC66D"/>
+                </a:solidFill>
+                <a:effectLst/>
+                <a:latin typeface="JetBrains Mono"/>
+              </a:rPr>
+              <a:t>save</a:t>
+            </a:r>
+            <a:r>
+              <a:rPr kumimoji="0" lang="ru-RU" altLang="ru-RU" sz="1000" b="0" i="0" u="none" strike="noStrike" cap="none" normalizeH="0" baseline="0" dirty="0">
+                <a:ln>
+                  <a:noFill/>
+                </a:ln>
+                <a:solidFill>
+                  <a:srgbClr val="A9B7C6"/>
+                </a:solidFill>
+                <a:effectLst/>
+                <a:latin typeface="JetBrains Mono"/>
+              </a:rPr>
+              <a:t>() {</a:t>
+            </a:r>
+            <a:br>
+              <a:rPr kumimoji="0" lang="ru-RU" altLang="ru-RU" sz="1000" b="0" i="0" u="none" strike="noStrike" cap="none" normalizeH="0" baseline="0" dirty="0">
+                <a:ln>
+                  <a:noFill/>
+                </a:ln>
+                <a:solidFill>
+                  <a:srgbClr val="A9B7C6"/>
+                </a:solidFill>
+                <a:effectLst/>
+                <a:latin typeface="JetBrains Mono"/>
+              </a:rPr>
+            </a:br>
+            <a:r>
+              <a:rPr kumimoji="0" lang="ru-RU" altLang="ru-RU" sz="1000" b="0" i="0" u="none" strike="noStrike" cap="none" normalizeH="0" baseline="0" dirty="0">
+                <a:ln>
+                  <a:noFill/>
+                </a:ln>
+                <a:solidFill>
+                  <a:srgbClr val="A9B7C6"/>
+                </a:solidFill>
+                <a:effectLst/>
+                <a:latin typeface="JetBrains Mono"/>
+              </a:rPr>
+              <a:t>    User savedUser = </a:t>
+            </a:r>
+            <a:r>
+              <a:rPr kumimoji="0" lang="ru-RU" altLang="ru-RU" sz="1000" b="0" i="0" u="none" strike="noStrike" cap="none" normalizeH="0" baseline="0" dirty="0">
+                <a:ln>
+                  <a:noFill/>
+                </a:ln>
+                <a:solidFill>
+                  <a:srgbClr val="9876AA"/>
+                </a:solidFill>
+                <a:effectLst/>
+                <a:latin typeface="JetBrains Mono"/>
+              </a:rPr>
+              <a:t>userService</a:t>
+            </a:r>
+            <a:r>
+              <a:rPr kumimoji="0" lang="ru-RU" altLang="ru-RU" sz="1000" b="0" i="0" u="none" strike="noStrike" cap="none" normalizeH="0" baseline="0" dirty="0">
+                <a:ln>
+                  <a:noFill/>
+                </a:ln>
+                <a:solidFill>
+                  <a:srgbClr val="A9B7C6"/>
+                </a:solidFill>
+                <a:effectLst/>
+                <a:latin typeface="JetBrains Mono"/>
+              </a:rPr>
+              <a:t>.save(</a:t>
+            </a:r>
+            <a:r>
+              <a:rPr kumimoji="0" lang="ru-RU" altLang="ru-RU" sz="1000" b="0" i="0" u="none" strike="noStrike" cap="none" normalizeH="0" baseline="0" dirty="0">
+                <a:ln>
+                  <a:noFill/>
+                </a:ln>
+                <a:solidFill>
+                  <a:srgbClr val="9876AA"/>
+                </a:solidFill>
+                <a:effectLst/>
+                <a:latin typeface="JetBrains Mono"/>
+              </a:rPr>
+              <a:t>userDto</a:t>
+            </a:r>
+            <a:r>
+              <a:rPr kumimoji="0" lang="ru-RU" altLang="ru-RU" sz="1000" b="0" i="0" u="none" strike="noStrike" cap="none" normalizeH="0" baseline="0" dirty="0">
+                <a:ln>
+                  <a:noFill/>
+                </a:ln>
+                <a:solidFill>
+                  <a:srgbClr val="A9B7C6"/>
+                </a:solidFill>
+                <a:effectLst/>
+                <a:latin typeface="JetBrains Mono"/>
+              </a:rPr>
+              <a:t>)</a:t>
+            </a:r>
+            <a:r>
+              <a:rPr kumimoji="0" lang="ru-RU" altLang="ru-RU" sz="1000" b="0" i="0" u="none" strike="noStrike" cap="none" normalizeH="0" baseline="0" dirty="0">
+                <a:ln>
+                  <a:noFill/>
+                </a:ln>
+                <a:solidFill>
+                  <a:srgbClr val="CC7832"/>
+                </a:solidFill>
+                <a:effectLst/>
+                <a:latin typeface="JetBrains Mono"/>
+              </a:rPr>
+              <a:t>;</a:t>
+            </a:r>
+            <a:br>
+              <a:rPr kumimoji="0" lang="ru-RU" altLang="ru-RU" sz="1000" b="0" i="0" u="none" strike="noStrike" cap="none" normalizeH="0" baseline="0" dirty="0">
+                <a:ln>
+                  <a:noFill/>
+                </a:ln>
+                <a:solidFill>
+                  <a:srgbClr val="CC7832"/>
+                </a:solidFill>
+                <a:effectLst/>
+                <a:latin typeface="JetBrains Mono"/>
+              </a:rPr>
+            </a:br>
+            <a:r>
+              <a:rPr kumimoji="0" lang="ru-RU" altLang="ru-RU" sz="1000" b="0" i="0" u="none" strike="noStrike" cap="none" normalizeH="0" baseline="0" dirty="0">
+                <a:ln>
+                  <a:noFill/>
+                </a:ln>
+                <a:solidFill>
+                  <a:srgbClr val="CC7832"/>
+                </a:solidFill>
+                <a:effectLst/>
+                <a:latin typeface="JetBrains Mono"/>
+              </a:rPr>
+              <a:t>    </a:t>
+            </a:r>
+            <a:r>
+              <a:rPr kumimoji="0" lang="ru-RU" altLang="ru-RU" sz="1000" b="0" i="1" u="none" strike="noStrike" cap="none" normalizeH="0" baseline="0" dirty="0">
+                <a:ln>
+                  <a:noFill/>
+                </a:ln>
+                <a:solidFill>
+                  <a:srgbClr val="A9B7C6"/>
+                </a:solidFill>
+                <a:effectLst/>
+                <a:latin typeface="JetBrains Mono"/>
+              </a:rPr>
+              <a:t>assertEquals</a:t>
+            </a:r>
+            <a:r>
+              <a:rPr kumimoji="0" lang="ru-RU" altLang="ru-RU" sz="1000" b="0" i="0" u="none" strike="noStrike" cap="none" normalizeH="0" baseline="0" dirty="0">
+                <a:ln>
+                  <a:noFill/>
+                </a:ln>
+                <a:solidFill>
+                  <a:srgbClr val="A9B7C6"/>
+                </a:solidFill>
+                <a:effectLst/>
+                <a:latin typeface="JetBrains Mono"/>
+              </a:rPr>
+              <a:t>(savedUser.getFirstName()</a:t>
+            </a:r>
+            <a:r>
+              <a:rPr kumimoji="0" lang="ru-RU" altLang="ru-RU" sz="1000" b="0" i="0" u="none" strike="noStrike" cap="none" normalizeH="0" baseline="0" dirty="0">
+                <a:ln>
+                  <a:noFill/>
+                </a:ln>
+                <a:solidFill>
+                  <a:srgbClr val="CC7832"/>
+                </a:solidFill>
+                <a:effectLst/>
+                <a:latin typeface="JetBrains Mono"/>
+              </a:rPr>
+              <a:t>, </a:t>
+            </a:r>
+            <a:r>
+              <a:rPr kumimoji="0" lang="ru-RU" altLang="ru-RU" sz="1000" b="0" i="0" u="none" strike="noStrike" cap="none" normalizeH="0" baseline="0" dirty="0">
+                <a:ln>
+                  <a:noFill/>
+                </a:ln>
+                <a:solidFill>
+                  <a:srgbClr val="9876AA"/>
+                </a:solidFill>
+                <a:effectLst/>
+                <a:latin typeface="JetBrains Mono"/>
+              </a:rPr>
+              <a:t>user</a:t>
+            </a:r>
+            <a:r>
+              <a:rPr kumimoji="0" lang="ru-RU" altLang="ru-RU" sz="1000" b="0" i="0" u="none" strike="noStrike" cap="none" normalizeH="0" baseline="0" dirty="0">
+                <a:ln>
+                  <a:noFill/>
+                </a:ln>
+                <a:solidFill>
+                  <a:srgbClr val="A9B7C6"/>
+                </a:solidFill>
+                <a:effectLst/>
+                <a:latin typeface="JetBrains Mono"/>
+              </a:rPr>
+              <a:t>.getFirstName())</a:t>
+            </a:r>
+            <a:r>
+              <a:rPr kumimoji="0" lang="ru-RU" altLang="ru-RU" sz="1000" b="0" i="0" u="none" strike="noStrike" cap="none" normalizeH="0" baseline="0" dirty="0">
+                <a:ln>
+                  <a:noFill/>
+                </a:ln>
+                <a:solidFill>
+                  <a:srgbClr val="CC7832"/>
+                </a:solidFill>
+                <a:effectLst/>
+                <a:latin typeface="JetBrains Mono"/>
+              </a:rPr>
+              <a:t>;</a:t>
+            </a:r>
+            <a:br>
+              <a:rPr kumimoji="0" lang="ru-RU" altLang="ru-RU" sz="1000" b="0" i="0" u="none" strike="noStrike" cap="none" normalizeH="0" baseline="0" dirty="0">
+                <a:ln>
+                  <a:noFill/>
+                </a:ln>
+                <a:solidFill>
+                  <a:srgbClr val="CC7832"/>
+                </a:solidFill>
+                <a:effectLst/>
+                <a:latin typeface="JetBrains Mono"/>
+              </a:rPr>
+            </a:br>
+            <a:r>
+              <a:rPr kumimoji="0" lang="ru-RU" altLang="ru-RU" sz="1000" b="0" i="0" u="none" strike="noStrike" cap="none" normalizeH="0" baseline="0" dirty="0">
+                <a:ln>
+                  <a:noFill/>
+                </a:ln>
+                <a:solidFill>
+                  <a:srgbClr val="CC7832"/>
+                </a:solidFill>
+                <a:effectLst/>
+                <a:latin typeface="JetBrains Mono"/>
+              </a:rPr>
+              <a:t>    </a:t>
+            </a:r>
+            <a:r>
+              <a:rPr kumimoji="0" lang="ru-RU" altLang="ru-RU" sz="1000" b="0" i="1" u="none" strike="noStrike" cap="none" normalizeH="0" baseline="0" dirty="0">
+                <a:ln>
+                  <a:noFill/>
+                </a:ln>
+                <a:solidFill>
+                  <a:srgbClr val="A9B7C6"/>
+                </a:solidFill>
+                <a:effectLst/>
+                <a:latin typeface="JetBrains Mono"/>
+              </a:rPr>
+              <a:t>assertEquals</a:t>
+            </a:r>
+            <a:r>
+              <a:rPr kumimoji="0" lang="ru-RU" altLang="ru-RU" sz="1000" b="0" i="0" u="none" strike="noStrike" cap="none" normalizeH="0" baseline="0" dirty="0">
+                <a:ln>
+                  <a:noFill/>
+                </a:ln>
+                <a:solidFill>
+                  <a:srgbClr val="A9B7C6"/>
+                </a:solidFill>
+                <a:effectLst/>
+                <a:latin typeface="JetBrains Mono"/>
+              </a:rPr>
+              <a:t>(savedUser.getLastName()</a:t>
+            </a:r>
+            <a:r>
+              <a:rPr kumimoji="0" lang="ru-RU" altLang="ru-RU" sz="1000" b="0" i="0" u="none" strike="noStrike" cap="none" normalizeH="0" baseline="0" dirty="0">
+                <a:ln>
+                  <a:noFill/>
+                </a:ln>
+                <a:solidFill>
+                  <a:srgbClr val="CC7832"/>
+                </a:solidFill>
+                <a:effectLst/>
+                <a:latin typeface="JetBrains Mono"/>
+              </a:rPr>
+              <a:t>, </a:t>
+            </a:r>
+            <a:r>
+              <a:rPr kumimoji="0" lang="ru-RU" altLang="ru-RU" sz="1000" b="0" i="0" u="none" strike="noStrike" cap="none" normalizeH="0" baseline="0" dirty="0">
+                <a:ln>
+                  <a:noFill/>
+                </a:ln>
+                <a:solidFill>
+                  <a:srgbClr val="9876AA"/>
+                </a:solidFill>
+                <a:effectLst/>
+                <a:latin typeface="JetBrains Mono"/>
+              </a:rPr>
+              <a:t>user</a:t>
+            </a:r>
+            <a:r>
+              <a:rPr kumimoji="0" lang="ru-RU" altLang="ru-RU" sz="1000" b="0" i="0" u="none" strike="noStrike" cap="none" normalizeH="0" baseline="0" dirty="0">
+                <a:ln>
+                  <a:noFill/>
+                </a:ln>
+                <a:solidFill>
+                  <a:srgbClr val="A9B7C6"/>
+                </a:solidFill>
+                <a:effectLst/>
+                <a:latin typeface="JetBrains Mono"/>
+              </a:rPr>
+              <a:t>.getLastName())</a:t>
+            </a:r>
+            <a:r>
+              <a:rPr kumimoji="0" lang="ru-RU" altLang="ru-RU" sz="1000" b="0" i="0" u="none" strike="noStrike" cap="none" normalizeH="0" baseline="0" dirty="0">
+                <a:ln>
+                  <a:noFill/>
+                </a:ln>
+                <a:solidFill>
+                  <a:srgbClr val="CC7832"/>
+                </a:solidFill>
+                <a:effectLst/>
+                <a:latin typeface="JetBrains Mono"/>
+              </a:rPr>
+              <a:t>;</a:t>
+            </a:r>
+            <a:br>
+              <a:rPr kumimoji="0" lang="ru-RU" altLang="ru-RU" sz="1000" b="0" i="0" u="none" strike="noStrike" cap="none" normalizeH="0" baseline="0" dirty="0">
+                <a:ln>
+                  <a:noFill/>
+                </a:ln>
+                <a:solidFill>
+                  <a:srgbClr val="CC7832"/>
+                </a:solidFill>
+                <a:effectLst/>
+                <a:latin typeface="JetBrains Mono"/>
+              </a:rPr>
+            </a:br>
+            <a:r>
+              <a:rPr kumimoji="0" lang="ru-RU" altLang="ru-RU" sz="1000" b="0" i="0" u="none" strike="noStrike" cap="none" normalizeH="0" baseline="0" dirty="0">
+                <a:ln>
+                  <a:noFill/>
+                </a:ln>
+                <a:solidFill>
+                  <a:srgbClr val="CC7832"/>
+                </a:solidFill>
+                <a:effectLst/>
+                <a:latin typeface="JetBrains Mono"/>
+              </a:rPr>
+              <a:t>    </a:t>
+            </a:r>
+            <a:r>
+              <a:rPr kumimoji="0" lang="ru-RU" altLang="ru-RU" sz="1000" b="0" i="1" u="none" strike="noStrike" cap="none" normalizeH="0" baseline="0" dirty="0">
+                <a:ln>
+                  <a:noFill/>
+                </a:ln>
+                <a:solidFill>
+                  <a:srgbClr val="A9B7C6"/>
+                </a:solidFill>
+                <a:effectLst/>
+                <a:latin typeface="JetBrains Mono"/>
+              </a:rPr>
+              <a:t>assertEquals</a:t>
+            </a:r>
+            <a:r>
+              <a:rPr kumimoji="0" lang="ru-RU" altLang="ru-RU" sz="1000" b="0" i="0" u="none" strike="noStrike" cap="none" normalizeH="0" baseline="0" dirty="0">
+                <a:ln>
+                  <a:noFill/>
+                </a:ln>
+                <a:solidFill>
+                  <a:srgbClr val="A9B7C6"/>
+                </a:solidFill>
+                <a:effectLst/>
+                <a:latin typeface="JetBrains Mono"/>
+              </a:rPr>
+              <a:t>(savedUser.getUsername()</a:t>
+            </a:r>
+            <a:r>
+              <a:rPr kumimoji="0" lang="ru-RU" altLang="ru-RU" sz="1000" b="0" i="0" u="none" strike="noStrike" cap="none" normalizeH="0" baseline="0" dirty="0">
+                <a:ln>
+                  <a:noFill/>
+                </a:ln>
+                <a:solidFill>
+                  <a:srgbClr val="CC7832"/>
+                </a:solidFill>
+                <a:effectLst/>
+                <a:latin typeface="JetBrains Mono"/>
+              </a:rPr>
+              <a:t>, </a:t>
+            </a:r>
+            <a:r>
+              <a:rPr kumimoji="0" lang="ru-RU" altLang="ru-RU" sz="1000" b="0" i="0" u="none" strike="noStrike" cap="none" normalizeH="0" baseline="0" dirty="0">
+                <a:ln>
+                  <a:noFill/>
+                </a:ln>
+                <a:solidFill>
+                  <a:srgbClr val="9876AA"/>
+                </a:solidFill>
+                <a:effectLst/>
+                <a:latin typeface="JetBrains Mono"/>
+              </a:rPr>
+              <a:t>user</a:t>
+            </a:r>
+            <a:r>
+              <a:rPr kumimoji="0" lang="ru-RU" altLang="ru-RU" sz="1000" b="0" i="0" u="none" strike="noStrike" cap="none" normalizeH="0" baseline="0" dirty="0">
+                <a:ln>
+                  <a:noFill/>
+                </a:ln>
+                <a:solidFill>
+                  <a:srgbClr val="A9B7C6"/>
+                </a:solidFill>
+                <a:effectLst/>
+                <a:latin typeface="JetBrains Mono"/>
+              </a:rPr>
+              <a:t>.getUsername())</a:t>
+            </a:r>
+            <a:r>
+              <a:rPr kumimoji="0" lang="ru-RU" altLang="ru-RU" sz="1000" b="0" i="0" u="none" strike="noStrike" cap="none" normalizeH="0" baseline="0" dirty="0">
+                <a:ln>
+                  <a:noFill/>
+                </a:ln>
+                <a:solidFill>
+                  <a:srgbClr val="CC7832"/>
+                </a:solidFill>
+                <a:effectLst/>
+                <a:latin typeface="JetBrains Mono"/>
+              </a:rPr>
+              <a:t>;</a:t>
+            </a:r>
+            <a:br>
+              <a:rPr kumimoji="0" lang="ru-RU" altLang="ru-RU" sz="1000" b="0" i="0" u="none" strike="noStrike" cap="none" normalizeH="0" baseline="0" dirty="0">
+                <a:ln>
+                  <a:noFill/>
+                </a:ln>
+                <a:solidFill>
+                  <a:srgbClr val="CC7832"/>
+                </a:solidFill>
+                <a:effectLst/>
+                <a:latin typeface="JetBrains Mono"/>
+              </a:rPr>
+            </a:br>
+            <a:r>
+              <a:rPr kumimoji="0" lang="ru-RU" altLang="ru-RU" sz="1000" b="0" i="0" u="none" strike="noStrike" cap="none" normalizeH="0" baseline="0" dirty="0">
+                <a:ln>
+                  <a:noFill/>
+                </a:ln>
+                <a:solidFill>
+                  <a:srgbClr val="CC7832"/>
+                </a:solidFill>
+                <a:effectLst/>
+                <a:latin typeface="JetBrains Mono"/>
+              </a:rPr>
+              <a:t>    </a:t>
+            </a:r>
+            <a:r>
+              <a:rPr kumimoji="0" lang="ru-RU" altLang="ru-RU" sz="1000" b="0" i="1" u="none" strike="noStrike" cap="none" normalizeH="0" baseline="0" dirty="0">
+                <a:ln>
+                  <a:noFill/>
+                </a:ln>
+                <a:solidFill>
+                  <a:srgbClr val="A9B7C6"/>
+                </a:solidFill>
+                <a:effectLst/>
+                <a:latin typeface="JetBrains Mono"/>
+              </a:rPr>
+              <a:t>assertTrue</a:t>
+            </a:r>
+            <a:r>
+              <a:rPr kumimoji="0" lang="ru-RU" altLang="ru-RU" sz="1000" b="0" i="0" u="none" strike="noStrike" cap="none" normalizeH="0" baseline="0" dirty="0">
+                <a:ln>
+                  <a:noFill/>
+                </a:ln>
+                <a:solidFill>
+                  <a:srgbClr val="A9B7C6"/>
+                </a:solidFill>
+                <a:effectLst/>
+                <a:latin typeface="JetBrains Mono"/>
+              </a:rPr>
+              <a:t>(</a:t>
+            </a:r>
+            <a:r>
+              <a:rPr kumimoji="0" lang="ru-RU" altLang="ru-RU" sz="1000" b="0" i="0" u="none" strike="noStrike" cap="none" normalizeH="0" baseline="0" dirty="0">
+                <a:ln>
+                  <a:noFill/>
+                </a:ln>
+                <a:solidFill>
+                  <a:srgbClr val="9876AA"/>
+                </a:solidFill>
+                <a:effectLst/>
+                <a:latin typeface="JetBrains Mono"/>
+              </a:rPr>
+              <a:t>passwordEncoder</a:t>
+            </a:r>
+            <a:r>
+              <a:rPr kumimoji="0" lang="ru-RU" altLang="ru-RU" sz="1000" b="0" i="0" u="none" strike="noStrike" cap="none" normalizeH="0" baseline="0" dirty="0">
+                <a:ln>
+                  <a:noFill/>
+                </a:ln>
+                <a:solidFill>
+                  <a:srgbClr val="A9B7C6"/>
+                </a:solidFill>
+                <a:effectLst/>
+                <a:latin typeface="JetBrains Mono"/>
+              </a:rPr>
+              <a:t>.matches(</a:t>
+            </a:r>
+            <a:r>
+              <a:rPr kumimoji="0" lang="ru-RU" altLang="ru-RU" sz="1000" b="0" i="0" u="none" strike="noStrike" cap="none" normalizeH="0" baseline="0" dirty="0">
+                <a:ln>
+                  <a:noFill/>
+                </a:ln>
+                <a:solidFill>
+                  <a:srgbClr val="9876AA"/>
+                </a:solidFill>
+                <a:effectLst/>
+                <a:latin typeface="JetBrains Mono"/>
+              </a:rPr>
+              <a:t>userDto</a:t>
+            </a:r>
+            <a:r>
+              <a:rPr kumimoji="0" lang="ru-RU" altLang="ru-RU" sz="1000" b="0" i="0" u="none" strike="noStrike" cap="none" normalizeH="0" baseline="0" dirty="0">
+                <a:ln>
+                  <a:noFill/>
+                </a:ln>
+                <a:solidFill>
+                  <a:srgbClr val="A9B7C6"/>
+                </a:solidFill>
+                <a:effectLst/>
+                <a:latin typeface="JetBrains Mono"/>
+              </a:rPr>
+              <a:t>.getPassword()</a:t>
+            </a:r>
+            <a:r>
+              <a:rPr kumimoji="0" lang="ru-RU" altLang="ru-RU" sz="1000" b="0" i="0" u="none" strike="noStrike" cap="none" normalizeH="0" baseline="0" dirty="0">
+                <a:ln>
+                  <a:noFill/>
+                </a:ln>
+                <a:solidFill>
+                  <a:srgbClr val="CC7832"/>
+                </a:solidFill>
+                <a:effectLst/>
+                <a:latin typeface="JetBrains Mono"/>
+              </a:rPr>
+              <a:t>, </a:t>
+            </a:r>
+            <a:r>
+              <a:rPr kumimoji="0" lang="ru-RU" altLang="ru-RU" sz="1000" b="0" i="0" u="none" strike="noStrike" cap="none" normalizeH="0" baseline="0" dirty="0">
+                <a:ln>
+                  <a:noFill/>
+                </a:ln>
+                <a:solidFill>
+                  <a:srgbClr val="A9B7C6"/>
+                </a:solidFill>
+                <a:effectLst/>
+                <a:latin typeface="JetBrains Mono"/>
+              </a:rPr>
+              <a:t>savedUser.getPassword()))</a:t>
+            </a:r>
+            <a:r>
+              <a:rPr kumimoji="0" lang="ru-RU" altLang="ru-RU" sz="1000" b="0" i="0" u="none" strike="noStrike" cap="none" normalizeH="0" baseline="0" dirty="0">
+                <a:ln>
+                  <a:noFill/>
+                </a:ln>
+                <a:solidFill>
+                  <a:srgbClr val="CC7832"/>
+                </a:solidFill>
+                <a:effectLst/>
+                <a:latin typeface="JetBrains Mono"/>
+              </a:rPr>
+              <a:t>;</a:t>
+            </a:r>
+            <a:br>
+              <a:rPr kumimoji="0" lang="ru-RU" altLang="ru-RU" sz="1000" b="0" i="0" u="none" strike="noStrike" cap="none" normalizeH="0" baseline="0" dirty="0">
+                <a:ln>
+                  <a:noFill/>
+                </a:ln>
+                <a:solidFill>
+                  <a:srgbClr val="CC7832"/>
+                </a:solidFill>
+                <a:effectLst/>
+                <a:latin typeface="JetBrains Mono"/>
+              </a:rPr>
+            </a:br>
+            <a:r>
+              <a:rPr kumimoji="0" lang="ru-RU" altLang="ru-RU" sz="1000" b="0" i="0" u="none" strike="noStrike" cap="none" normalizeH="0" baseline="0" dirty="0">
+                <a:ln>
+                  <a:noFill/>
+                </a:ln>
+                <a:solidFill>
+                  <a:srgbClr val="CC7832"/>
+                </a:solidFill>
+                <a:effectLst/>
+                <a:latin typeface="JetBrains Mono"/>
+              </a:rPr>
+              <a:t>    </a:t>
+            </a:r>
+            <a:r>
+              <a:rPr kumimoji="0" lang="ru-RU" altLang="ru-RU" sz="1000" b="0" i="1" u="none" strike="noStrike" cap="none" normalizeH="0" baseline="0" dirty="0">
+                <a:ln>
+                  <a:noFill/>
+                </a:ln>
+                <a:solidFill>
+                  <a:srgbClr val="A9B7C6"/>
+                </a:solidFill>
+                <a:effectLst/>
+                <a:latin typeface="JetBrains Mono"/>
+              </a:rPr>
+              <a:t>assertEquals</a:t>
+            </a:r>
+            <a:r>
+              <a:rPr kumimoji="0" lang="ru-RU" altLang="ru-RU" sz="1000" b="0" i="0" u="none" strike="noStrike" cap="none" normalizeH="0" baseline="0" dirty="0">
+                <a:ln>
+                  <a:noFill/>
+                </a:ln>
+                <a:solidFill>
+                  <a:srgbClr val="A9B7C6"/>
+                </a:solidFill>
+                <a:effectLst/>
+                <a:latin typeface="JetBrains Mono"/>
+              </a:rPr>
+              <a:t>(savedUser.getPhone()</a:t>
+            </a:r>
+            <a:r>
+              <a:rPr kumimoji="0" lang="ru-RU" altLang="ru-RU" sz="1000" b="0" i="0" u="none" strike="noStrike" cap="none" normalizeH="0" baseline="0" dirty="0">
+                <a:ln>
+                  <a:noFill/>
+                </a:ln>
+                <a:solidFill>
+                  <a:srgbClr val="CC7832"/>
+                </a:solidFill>
+                <a:effectLst/>
+                <a:latin typeface="JetBrains Mono"/>
+              </a:rPr>
+              <a:t>, </a:t>
+            </a:r>
+            <a:r>
+              <a:rPr kumimoji="0" lang="ru-RU" altLang="ru-RU" sz="1000" b="0" i="0" u="none" strike="noStrike" cap="none" normalizeH="0" baseline="0" dirty="0">
+                <a:ln>
+                  <a:noFill/>
+                </a:ln>
+                <a:solidFill>
+                  <a:srgbClr val="9876AA"/>
+                </a:solidFill>
+                <a:effectLst/>
+                <a:latin typeface="JetBrains Mono"/>
+              </a:rPr>
+              <a:t>user</a:t>
+            </a:r>
+            <a:r>
+              <a:rPr kumimoji="0" lang="ru-RU" altLang="ru-RU" sz="1000" b="0" i="0" u="none" strike="noStrike" cap="none" normalizeH="0" baseline="0" dirty="0">
+                <a:ln>
+                  <a:noFill/>
+                </a:ln>
+                <a:solidFill>
+                  <a:srgbClr val="A9B7C6"/>
+                </a:solidFill>
+                <a:effectLst/>
+                <a:latin typeface="JetBrains Mono"/>
+              </a:rPr>
+              <a:t>.getPhone())</a:t>
+            </a:r>
+            <a:r>
+              <a:rPr kumimoji="0" lang="ru-RU" altLang="ru-RU" sz="1000" b="0" i="0" u="none" strike="noStrike" cap="none" normalizeH="0" baseline="0" dirty="0">
+                <a:ln>
+                  <a:noFill/>
+                </a:ln>
+                <a:solidFill>
+                  <a:srgbClr val="CC7832"/>
+                </a:solidFill>
+                <a:effectLst/>
+                <a:latin typeface="JetBrains Mono"/>
+              </a:rPr>
+              <a:t>;</a:t>
+            </a:r>
+            <a:br>
+              <a:rPr kumimoji="0" lang="ru-RU" altLang="ru-RU" sz="1000" b="0" i="0" u="none" strike="noStrike" cap="none" normalizeH="0" baseline="0" dirty="0">
+                <a:ln>
+                  <a:noFill/>
+                </a:ln>
+                <a:solidFill>
+                  <a:srgbClr val="CC7832"/>
+                </a:solidFill>
+                <a:effectLst/>
+                <a:latin typeface="JetBrains Mono"/>
+              </a:rPr>
+            </a:br>
+            <a:r>
+              <a:rPr kumimoji="0" lang="ru-RU" altLang="ru-RU" sz="1000" b="0" i="0" u="none" strike="noStrike" cap="none" normalizeH="0" baseline="0" dirty="0">
+                <a:ln>
+                  <a:noFill/>
+                </a:ln>
+                <a:solidFill>
+                  <a:srgbClr val="A9B7C6"/>
+                </a:solidFill>
+                <a:effectLst/>
+                <a:latin typeface="JetBrains Mono"/>
+              </a:rPr>
+              <a:t>}</a:t>
+            </a:r>
+            <a:br>
+              <a:rPr kumimoji="0" lang="ru-RU" altLang="ru-RU" sz="1000" b="0" i="0" u="none" strike="noStrike" cap="none" normalizeH="0" baseline="0" dirty="0">
+                <a:ln>
+                  <a:noFill/>
+                </a:ln>
+                <a:solidFill>
+                  <a:srgbClr val="A9B7C6"/>
+                </a:solidFill>
+                <a:effectLst/>
+                <a:latin typeface="JetBrains Mono"/>
+              </a:rPr>
+            </a:br>
+            <a:br>
+              <a:rPr kumimoji="0" lang="ru-RU" altLang="ru-RU" sz="1000" b="0" i="0" u="none" strike="noStrike" cap="none" normalizeH="0" baseline="0" dirty="0">
+                <a:ln>
+                  <a:noFill/>
+                </a:ln>
+                <a:solidFill>
+                  <a:srgbClr val="A9B7C6"/>
+                </a:solidFill>
+                <a:effectLst/>
+                <a:latin typeface="JetBrains Mono"/>
+              </a:rPr>
+            </a:br>
+            <a:r>
+              <a:rPr kumimoji="0" lang="ru-RU" altLang="ru-RU" sz="1000" b="0" i="0" u="none" strike="noStrike" cap="none" normalizeH="0" baseline="0" dirty="0">
+                <a:ln>
+                  <a:noFill/>
+                </a:ln>
+                <a:solidFill>
+                  <a:srgbClr val="BBB529"/>
+                </a:solidFill>
+                <a:effectLst/>
+                <a:latin typeface="JetBrains Mono"/>
+              </a:rPr>
+              <a:t>@Test</a:t>
+            </a:r>
+            <a:br>
+              <a:rPr kumimoji="0" lang="ru-RU" altLang="ru-RU" sz="1000" b="0" i="0" u="none" strike="noStrike" cap="none" normalizeH="0" baseline="0" dirty="0">
+                <a:ln>
+                  <a:noFill/>
+                </a:ln>
+                <a:solidFill>
+                  <a:srgbClr val="BBB529"/>
+                </a:solidFill>
+                <a:effectLst/>
+                <a:latin typeface="JetBrains Mono"/>
+              </a:rPr>
+            </a:br>
+            <a:r>
+              <a:rPr kumimoji="0" lang="ru-RU" altLang="ru-RU" sz="1000" b="0" i="0" u="none" strike="noStrike" cap="none" normalizeH="0" baseline="0" dirty="0">
+                <a:ln>
+                  <a:noFill/>
+                </a:ln>
+                <a:solidFill>
+                  <a:srgbClr val="CC7832"/>
+                </a:solidFill>
+                <a:effectLst/>
+                <a:latin typeface="JetBrains Mono"/>
+              </a:rPr>
+              <a:t>void </a:t>
+            </a:r>
+            <a:r>
+              <a:rPr kumimoji="0" lang="ru-RU" altLang="ru-RU" sz="1000" b="0" i="0" u="none" strike="noStrike" cap="none" normalizeH="0" baseline="0" dirty="0">
+                <a:ln>
+                  <a:noFill/>
+                </a:ln>
+                <a:solidFill>
+                  <a:srgbClr val="FFC66D"/>
+                </a:solidFill>
+                <a:effectLst/>
+                <a:latin typeface="JetBrains Mono"/>
+              </a:rPr>
+              <a:t>userAlreadyExist</a:t>
+            </a:r>
+            <a:r>
+              <a:rPr kumimoji="0" lang="ru-RU" altLang="ru-RU" sz="1000" b="0" i="0" u="none" strike="noStrike" cap="none" normalizeH="0" baseline="0" dirty="0">
+                <a:ln>
+                  <a:noFill/>
+                </a:ln>
+                <a:solidFill>
+                  <a:srgbClr val="A9B7C6"/>
+                </a:solidFill>
+                <a:effectLst/>
+                <a:latin typeface="JetBrains Mono"/>
+              </a:rPr>
+              <a:t>() {</a:t>
+            </a:r>
+            <a:br>
+              <a:rPr kumimoji="0" lang="ru-RU" altLang="ru-RU" sz="1000" b="0" i="0" u="none" strike="noStrike" cap="none" normalizeH="0" baseline="0" dirty="0">
+                <a:ln>
+                  <a:noFill/>
+                </a:ln>
+                <a:solidFill>
+                  <a:srgbClr val="A9B7C6"/>
+                </a:solidFill>
+                <a:effectLst/>
+                <a:latin typeface="JetBrains Mono"/>
+              </a:rPr>
+            </a:br>
+            <a:r>
+              <a:rPr kumimoji="0" lang="ru-RU" altLang="ru-RU" sz="1000" b="0" i="0" u="none" strike="noStrike" cap="none" normalizeH="0" baseline="0" dirty="0">
+                <a:ln>
+                  <a:noFill/>
+                </a:ln>
+                <a:solidFill>
+                  <a:srgbClr val="A9B7C6"/>
+                </a:solidFill>
+                <a:effectLst/>
+                <a:latin typeface="JetBrains Mono"/>
+              </a:rPr>
+              <a:t>    </a:t>
+            </a:r>
+            <a:r>
+              <a:rPr kumimoji="0" lang="ru-RU" altLang="ru-RU" sz="1000" b="0" i="0" u="none" strike="noStrike" cap="none" normalizeH="0" baseline="0" dirty="0">
+                <a:ln>
+                  <a:noFill/>
+                </a:ln>
+                <a:solidFill>
+                  <a:srgbClr val="9876AA"/>
+                </a:solidFill>
+                <a:effectLst/>
+                <a:latin typeface="JetBrains Mono"/>
+              </a:rPr>
+              <a:t>userDto</a:t>
+            </a:r>
+            <a:r>
+              <a:rPr kumimoji="0" lang="ru-RU" altLang="ru-RU" sz="1000" b="0" i="0" u="none" strike="noStrike" cap="none" normalizeH="0" baseline="0" dirty="0">
+                <a:ln>
+                  <a:noFill/>
+                </a:ln>
+                <a:solidFill>
+                  <a:srgbClr val="A9B7C6"/>
+                </a:solidFill>
+                <a:effectLst/>
+                <a:latin typeface="JetBrains Mono"/>
+              </a:rPr>
+              <a:t>.setUsername(</a:t>
+            </a:r>
+            <a:r>
+              <a:rPr kumimoji="0" lang="ru-RU" altLang="ru-RU" sz="1000" b="0" i="0" u="none" strike="noStrike" cap="none" normalizeH="0" baseline="0" dirty="0">
+                <a:ln>
+                  <a:noFill/>
+                </a:ln>
+                <a:solidFill>
+                  <a:srgbClr val="6A8759"/>
+                </a:solidFill>
+                <a:effectLst/>
+                <a:latin typeface="JetBrains Mono"/>
+              </a:rPr>
+              <a:t>"USERNAME2"</a:t>
+            </a:r>
+            <a:r>
+              <a:rPr kumimoji="0" lang="ru-RU" altLang="ru-RU" sz="1000" b="0" i="0" u="none" strike="noStrike" cap="none" normalizeH="0" baseline="0" dirty="0">
+                <a:ln>
+                  <a:noFill/>
+                </a:ln>
+                <a:solidFill>
+                  <a:srgbClr val="A9B7C6"/>
+                </a:solidFill>
+                <a:effectLst/>
+                <a:latin typeface="JetBrains Mono"/>
+              </a:rPr>
+              <a:t>)</a:t>
+            </a:r>
+            <a:r>
+              <a:rPr kumimoji="0" lang="ru-RU" altLang="ru-RU" sz="1000" b="0" i="0" u="none" strike="noStrike" cap="none" normalizeH="0" baseline="0" dirty="0">
+                <a:ln>
+                  <a:noFill/>
+                </a:ln>
+                <a:solidFill>
+                  <a:srgbClr val="CC7832"/>
+                </a:solidFill>
+                <a:effectLst/>
+                <a:latin typeface="JetBrains Mono"/>
+              </a:rPr>
+              <a:t>;</a:t>
+            </a:r>
+            <a:br>
+              <a:rPr kumimoji="0" lang="ru-RU" altLang="ru-RU" sz="1000" b="0" i="0" u="none" strike="noStrike" cap="none" normalizeH="0" baseline="0" dirty="0">
+                <a:ln>
+                  <a:noFill/>
+                </a:ln>
+                <a:solidFill>
+                  <a:srgbClr val="CC7832"/>
+                </a:solidFill>
+                <a:effectLst/>
+                <a:latin typeface="JetBrains Mono"/>
+              </a:rPr>
+            </a:br>
+            <a:r>
+              <a:rPr kumimoji="0" lang="ru-RU" altLang="ru-RU" sz="1000" b="0" i="0" u="none" strike="noStrike" cap="none" normalizeH="0" baseline="0" dirty="0">
+                <a:ln>
+                  <a:noFill/>
+                </a:ln>
+                <a:solidFill>
+                  <a:srgbClr val="CC7832"/>
+                </a:solidFill>
+                <a:effectLst/>
+                <a:latin typeface="JetBrains Mono"/>
+              </a:rPr>
+              <a:t>    </a:t>
+            </a:r>
+            <a:r>
+              <a:rPr kumimoji="0" lang="ru-RU" altLang="ru-RU" sz="1000" b="0" i="0" u="none" strike="noStrike" cap="none" normalizeH="0" baseline="0" dirty="0">
+                <a:ln>
+                  <a:noFill/>
+                </a:ln>
+                <a:solidFill>
+                  <a:srgbClr val="9876AA"/>
+                </a:solidFill>
+                <a:effectLst/>
+                <a:latin typeface="JetBrains Mono"/>
+              </a:rPr>
+              <a:t>userService</a:t>
+            </a:r>
+            <a:r>
+              <a:rPr kumimoji="0" lang="ru-RU" altLang="ru-RU" sz="1000" b="0" i="0" u="none" strike="noStrike" cap="none" normalizeH="0" baseline="0" dirty="0">
+                <a:ln>
+                  <a:noFill/>
+                </a:ln>
+                <a:solidFill>
+                  <a:srgbClr val="A9B7C6"/>
+                </a:solidFill>
+                <a:effectLst/>
+                <a:latin typeface="JetBrains Mono"/>
+              </a:rPr>
+              <a:t>.save(</a:t>
+            </a:r>
+            <a:r>
+              <a:rPr kumimoji="0" lang="ru-RU" altLang="ru-RU" sz="1000" b="0" i="0" u="none" strike="noStrike" cap="none" normalizeH="0" baseline="0" dirty="0">
+                <a:ln>
+                  <a:noFill/>
+                </a:ln>
+                <a:solidFill>
+                  <a:srgbClr val="9876AA"/>
+                </a:solidFill>
+                <a:effectLst/>
+                <a:latin typeface="JetBrains Mono"/>
+              </a:rPr>
+              <a:t>userDto</a:t>
+            </a:r>
+            <a:r>
+              <a:rPr kumimoji="0" lang="ru-RU" altLang="ru-RU" sz="1000" b="0" i="0" u="none" strike="noStrike" cap="none" normalizeH="0" baseline="0" dirty="0">
+                <a:ln>
+                  <a:noFill/>
+                </a:ln>
+                <a:solidFill>
+                  <a:srgbClr val="A9B7C6"/>
+                </a:solidFill>
+                <a:effectLst/>
+                <a:latin typeface="JetBrains Mono"/>
+              </a:rPr>
+              <a:t>)</a:t>
+            </a:r>
+            <a:r>
+              <a:rPr kumimoji="0" lang="ru-RU" altLang="ru-RU" sz="1000" b="0" i="0" u="none" strike="noStrike" cap="none" normalizeH="0" baseline="0" dirty="0">
+                <a:ln>
+                  <a:noFill/>
+                </a:ln>
+                <a:solidFill>
+                  <a:srgbClr val="CC7832"/>
+                </a:solidFill>
+                <a:effectLst/>
+                <a:latin typeface="JetBrains Mono"/>
+              </a:rPr>
+              <a:t>;</a:t>
+            </a:r>
+            <a:br>
+              <a:rPr kumimoji="0" lang="ru-RU" altLang="ru-RU" sz="1000" b="0" i="0" u="none" strike="noStrike" cap="none" normalizeH="0" baseline="0" dirty="0">
+                <a:ln>
+                  <a:noFill/>
+                </a:ln>
+                <a:solidFill>
+                  <a:srgbClr val="CC7832"/>
+                </a:solidFill>
+                <a:effectLst/>
+                <a:latin typeface="JetBrains Mono"/>
+              </a:rPr>
+            </a:br>
+            <a:r>
+              <a:rPr kumimoji="0" lang="ru-RU" altLang="ru-RU" sz="1000" b="0" i="0" u="none" strike="noStrike" cap="none" normalizeH="0" baseline="0" dirty="0">
+                <a:ln>
+                  <a:noFill/>
+                </a:ln>
+                <a:solidFill>
+                  <a:srgbClr val="CC7832"/>
+                </a:solidFill>
+                <a:effectLst/>
+                <a:latin typeface="JetBrains Mono"/>
+              </a:rPr>
+              <a:t>    </a:t>
+            </a:r>
+            <a:r>
+              <a:rPr kumimoji="0" lang="ru-RU" altLang="ru-RU" sz="1000" b="0" i="1" u="none" strike="noStrike" cap="none" normalizeH="0" baseline="0" dirty="0">
+                <a:ln>
+                  <a:noFill/>
+                </a:ln>
+                <a:solidFill>
+                  <a:srgbClr val="A9B7C6"/>
+                </a:solidFill>
+                <a:effectLst/>
+                <a:latin typeface="JetBrains Mono"/>
+              </a:rPr>
+              <a:t>assertThrows</a:t>
+            </a:r>
+            <a:r>
+              <a:rPr kumimoji="0" lang="ru-RU" altLang="ru-RU" sz="1000" b="0" i="0" u="none" strike="noStrike" cap="none" normalizeH="0" baseline="0" dirty="0">
+                <a:ln>
+                  <a:noFill/>
+                </a:ln>
+                <a:solidFill>
+                  <a:srgbClr val="A9B7C6"/>
+                </a:solidFill>
+                <a:effectLst/>
+                <a:latin typeface="JetBrains Mono"/>
+              </a:rPr>
+              <a:t>(UserAlreadyExistException.</a:t>
+            </a:r>
+            <a:r>
+              <a:rPr kumimoji="0" lang="ru-RU" altLang="ru-RU" sz="1000" b="0" i="0" u="none" strike="noStrike" cap="none" normalizeH="0" baseline="0" dirty="0">
+                <a:ln>
+                  <a:noFill/>
+                </a:ln>
+                <a:solidFill>
+                  <a:srgbClr val="CC7832"/>
+                </a:solidFill>
+                <a:effectLst/>
+                <a:latin typeface="JetBrains Mono"/>
+              </a:rPr>
+              <a:t>class, </a:t>
+            </a:r>
+            <a:r>
+              <a:rPr kumimoji="0" lang="ru-RU" altLang="ru-RU" sz="1000" b="0" i="0" u="none" strike="noStrike" cap="none" normalizeH="0" baseline="0" dirty="0">
+                <a:ln>
+                  <a:noFill/>
+                </a:ln>
+                <a:solidFill>
+                  <a:srgbClr val="A9B7C6"/>
+                </a:solidFill>
+                <a:effectLst/>
+                <a:latin typeface="JetBrains Mono"/>
+              </a:rPr>
+              <a:t>() -&gt; </a:t>
+            </a:r>
+            <a:r>
+              <a:rPr kumimoji="0" lang="ru-RU" altLang="ru-RU" sz="1000" b="0" i="0" u="none" strike="noStrike" cap="none" normalizeH="0" baseline="0" dirty="0">
+                <a:ln>
+                  <a:noFill/>
+                </a:ln>
+                <a:solidFill>
+                  <a:srgbClr val="9876AA"/>
+                </a:solidFill>
+                <a:effectLst/>
+                <a:latin typeface="JetBrains Mono"/>
+              </a:rPr>
+              <a:t>userService</a:t>
+            </a:r>
+            <a:r>
+              <a:rPr kumimoji="0" lang="ru-RU" altLang="ru-RU" sz="1000" b="0" i="0" u="none" strike="noStrike" cap="none" normalizeH="0" baseline="0" dirty="0">
+                <a:ln>
+                  <a:noFill/>
+                </a:ln>
+                <a:solidFill>
+                  <a:srgbClr val="A9B7C6"/>
+                </a:solidFill>
+                <a:effectLst/>
+                <a:latin typeface="JetBrains Mono"/>
+              </a:rPr>
+              <a:t>.save(</a:t>
+            </a:r>
+            <a:r>
+              <a:rPr kumimoji="0" lang="ru-RU" altLang="ru-RU" sz="1000" b="0" i="0" u="none" strike="noStrike" cap="none" normalizeH="0" baseline="0" dirty="0">
+                <a:ln>
+                  <a:noFill/>
+                </a:ln>
+                <a:solidFill>
+                  <a:srgbClr val="9876AA"/>
+                </a:solidFill>
+                <a:effectLst/>
+                <a:latin typeface="JetBrains Mono"/>
+              </a:rPr>
+              <a:t>userDto</a:t>
+            </a:r>
+            <a:r>
+              <a:rPr kumimoji="0" lang="ru-RU" altLang="ru-RU" sz="1000" b="0" i="0" u="none" strike="noStrike" cap="none" normalizeH="0" baseline="0" dirty="0">
+                <a:ln>
+                  <a:noFill/>
+                </a:ln>
+                <a:solidFill>
+                  <a:srgbClr val="A9B7C6"/>
+                </a:solidFill>
+                <a:effectLst/>
+                <a:latin typeface="JetBrains Mono"/>
+              </a:rPr>
+              <a:t>))</a:t>
+            </a:r>
+            <a:r>
+              <a:rPr kumimoji="0" lang="ru-RU" altLang="ru-RU" sz="1000" b="0" i="0" u="none" strike="noStrike" cap="none" normalizeH="0" baseline="0" dirty="0">
+                <a:ln>
+                  <a:noFill/>
+                </a:ln>
+                <a:solidFill>
+                  <a:srgbClr val="CC7832"/>
+                </a:solidFill>
+                <a:effectLst/>
+                <a:latin typeface="JetBrains Mono"/>
+              </a:rPr>
+              <a:t>;</a:t>
+            </a:r>
+            <a:br>
+              <a:rPr kumimoji="0" lang="ru-RU" altLang="ru-RU" sz="1000" b="0" i="0" u="none" strike="noStrike" cap="none" normalizeH="0" baseline="0" dirty="0">
+                <a:ln>
+                  <a:noFill/>
+                </a:ln>
+                <a:solidFill>
+                  <a:srgbClr val="CC7832"/>
+                </a:solidFill>
+                <a:effectLst/>
+                <a:latin typeface="JetBrains Mono"/>
+              </a:rPr>
+            </a:br>
+            <a:r>
+              <a:rPr kumimoji="0" lang="ru-RU" altLang="ru-RU" sz="1000" b="0" i="0" u="none" strike="noStrike" cap="none" normalizeH="0" baseline="0" dirty="0">
+                <a:ln>
+                  <a:noFill/>
+                </a:ln>
+                <a:solidFill>
+                  <a:srgbClr val="A9B7C6"/>
+                </a:solidFill>
+                <a:effectLst/>
+                <a:latin typeface="JetBrains Mono"/>
+              </a:rPr>
+              <a:t>}</a:t>
+            </a:r>
+            <a:endParaRPr kumimoji="0" lang="ru-RU" altLang="ru-RU" sz="1800" b="0" i="0" u="none" strike="noStrike" cap="none" normalizeH="0" baseline="0" dirty="0">
+              <a:ln>
+                <a:noFill/>
+              </a:ln>
+              <a:solidFill>
+                <a:schemeClr val="tx1"/>
+              </a:solidFill>
+              <a:effectLst/>
+              <a:latin typeface="Arial" panose="020B0604020202020204" pitchFamily="34" charset="0"/>
+            </a:endParaRPr>
+          </a:p>
+        </p:txBody>
+      </p:sp>
+    </p:spTree>
+    <p:extLst>
+      <p:ext uri="{BB962C8B-B14F-4D97-AF65-F5344CB8AC3E}">
+        <p14:creationId xmlns:p14="http://schemas.microsoft.com/office/powerpoint/2010/main" val="1209566705"/>
+      </p:ext>
+    </p:extLst>
+  </p:cSld>
+  <p:clrMapOvr>
+    <a:masterClrMapping/>
+  </p:clrMapOvr>
+</p:sld>
+</file>
+
+<file path=ppt/slides/slide14.xml><?xml version="1.0" encoding="utf-8"?>
+<p:sld xmlns:a="http://schemas.openxmlformats.org/drawingml/2006/main" xmlns:r="http://schemas.openxmlformats.org/officeDocument/2006/relationships" xmlns:p="http://schemas.openxmlformats.org/presentationml/2006/main">
+  <p:cSld>
+    <p:spTree>
+      <p:nvGrpSpPr>
+        <p:cNvPr id="1" name=""/>
+        <p:cNvGrpSpPr/>
+        <p:nvPr/>
+      </p:nvGrpSpPr>
+      <p:grpSpPr>
+        <a:xfrm>
+          <a:off x="0" y="0"/>
+          <a:ext cx="0" cy="0"/>
+          <a:chOff x="0" y="0"/>
+          <a:chExt cx="0" cy="0"/>
+        </a:xfrm>
+      </p:grpSpPr>
       <p:pic>
         <p:nvPicPr>
           <p:cNvPr id="17" name="Рисунок 16" descr="Ученый смотрит на пробирку">
@@ -16185,7 +19243,12 @@
             <p:ph type="ctrTitle"/>
           </p:nvPr>
         </p:nvSpPr>
-        <p:spPr/>
+        <p:spPr>
+          <a:xfrm>
+            <a:off x="0" y="0"/>
+            <a:ext cx="9672000" cy="6857999"/>
+          </a:xfrm>
+        </p:spPr>
         <p:txBody>
           <a:bodyPr rtlCol="0"/>
           <a:lstStyle/>
@@ -16252,36 +19315,6 @@
             <a:r>
               <a:rPr lang="en-US" dirty="0"/>
               <a:t>dmitryshundrik@gmail.com</a:t>
-            </a:r>
-            <a:endParaRPr lang="ru-RU" dirty="0"/>
-          </a:p>
-        </p:txBody>
-      </p:sp>
-      <p:sp>
-        <p:nvSpPr>
-          <p:cNvPr id="6" name="Текст 5">
-            <a:extLst>
-              <a:ext uri="{FF2B5EF4-FFF2-40B4-BE49-F238E27FC236}">
-                <a16:creationId xmlns:a16="http://schemas.microsoft.com/office/drawing/2014/main" id="{05F44DEB-FABF-4ADE-B7EB-29DFAFA3DFF6}"/>
-              </a:ext>
-            </a:extLst>
-          </p:cNvPr>
-          <p:cNvSpPr>
-            <a:spLocks noGrp="1"/>
-          </p:cNvSpPr>
-          <p:nvPr>
-            <p:ph type="body" sz="quarter" idx="15"/>
-          </p:nvPr>
-        </p:nvSpPr>
-        <p:spPr/>
-        <p:txBody>
-          <a:bodyPr rtlCol="0"/>
-          <a:lstStyle/>
-          <a:p>
-            <a:pPr rtl="0"/>
-            <a:r>
-              <a:rPr lang="en-US" dirty="0"/>
-              <a:t>+995 599 156 208</a:t>
             </a:r>
             <a:endParaRPr lang="ru-RU" dirty="0"/>
           </a:p>
@@ -16436,299 +19469,6 @@
           </a:p>
         </p:txBody>
       </p:sp>
-      <p:grpSp>
-        <p:nvGrpSpPr>
-          <p:cNvPr id="46" name="Группа 45" descr="Значок телефона">
-            <a:extLst>
-              <a:ext uri="{FF2B5EF4-FFF2-40B4-BE49-F238E27FC236}">
-                <a16:creationId xmlns:a16="http://schemas.microsoft.com/office/drawing/2014/main" id="{4BB2D73A-DB1F-47D9-9BDA-D6F01A0EDC06}"/>
-              </a:ext>
-            </a:extLst>
-          </p:cNvPr>
-          <p:cNvGrpSpPr/>
-          <p:nvPr/>
-        </p:nvGrpSpPr>
-        <p:grpSpPr>
-          <a:xfrm>
-            <a:off x="1365937" y="5637315"/>
-            <a:ext cx="297521" cy="297521"/>
-            <a:chOff x="1334697" y="5606075"/>
-            <a:chExt cx="360000" cy="360000"/>
-          </a:xfrm>
-        </p:grpSpPr>
-        <p:sp>
-          <p:nvSpPr>
-            <p:cNvPr id="47" name="Полилиния: Фигура 46">
-              <a:extLst>
-                <a:ext uri="{FF2B5EF4-FFF2-40B4-BE49-F238E27FC236}">
-                  <a16:creationId xmlns:a16="http://schemas.microsoft.com/office/drawing/2014/main" id="{3C40AF29-F294-4B60-B5B4-56011134948E}"/>
-                </a:ext>
-              </a:extLst>
-            </p:cNvPr>
-            <p:cNvSpPr/>
-            <p:nvPr/>
-          </p:nvSpPr>
-          <p:spPr>
-            <a:xfrm>
-              <a:off x="1423220" y="5624464"/>
-              <a:ext cx="257175" cy="257175"/>
-            </a:xfrm>
-            <a:custGeom>
-              <a:avLst/>
-              <a:gdLst>
-                <a:gd name="connsiteX0" fmla="*/ 0 w 257175"/>
-                <a:gd name="connsiteY0" fmla="*/ 163664 h 257175"/>
-                <a:gd name="connsiteX1" fmla="*/ 163664 w 257175"/>
-                <a:gd name="connsiteY1" fmla="*/ 0 h 257175"/>
-                <a:gd name="connsiteX2" fmla="*/ 261323 w 257175"/>
-                <a:gd name="connsiteY2" fmla="*/ 97659 h 257175"/>
-                <a:gd name="connsiteX3" fmla="*/ 97659 w 257175"/>
-                <a:gd name="connsiteY3" fmla="*/ 261323 h 257175"/>
-              </a:gdLst>
-              <a:ahLst/>
-              <a:cxnLst>
-                <a:cxn ang="0">
-                  <a:pos x="connsiteX0" y="connsiteY0"/>
-                </a:cxn>
-                <a:cxn ang="0">
-                  <a:pos x="connsiteX1" y="connsiteY1"/>
-                </a:cxn>
-                <a:cxn ang="0">
-                  <a:pos x="connsiteX2" y="connsiteY2"/>
-                </a:cxn>
-                <a:cxn ang="0">
-                  <a:pos x="connsiteX3" y="connsiteY3"/>
-                </a:cxn>
-              </a:cxnLst>
-              <a:rect l="l" t="t" r="r" b="b"/>
-              <a:pathLst>
-                <a:path w="257175" h="257175">
-                  <a:moveTo>
-                    <a:pt x="0" y="163664"/>
-                  </a:moveTo>
-                  <a:lnTo>
-                    <a:pt x="163664" y="0"/>
-                  </a:lnTo>
-                  <a:lnTo>
-                    <a:pt x="261323" y="97659"/>
-                  </a:lnTo>
-                  <a:lnTo>
-                    <a:pt x="97659" y="261323"/>
-                  </a:lnTo>
-                  <a:close/>
-                </a:path>
-              </a:pathLst>
-            </a:custGeom>
-            <a:noFill/>
-            <a:ln w="23813" cap="flat">
-              <a:solidFill>
-                <a:schemeClr val="accent1"/>
-              </a:solidFill>
-              <a:prstDash val="solid"/>
-              <a:round/>
-            </a:ln>
-          </p:spPr>
-          <p:txBody>
-            <a:bodyPr rtlCol="0" anchor="ctr"/>
-            <a:lstStyle/>
-            <a:p>
-              <a:pPr rtl="0"/>
-              <a:endParaRPr lang="ru-RU" dirty="0"/>
-            </a:p>
-          </p:txBody>
-        </p:sp>
-        <p:sp>
-          <p:nvSpPr>
-            <p:cNvPr id="48" name="Полилиния: фигура 47">
-              <a:extLst>
-                <a:ext uri="{FF2B5EF4-FFF2-40B4-BE49-F238E27FC236}">
-                  <a16:creationId xmlns:a16="http://schemas.microsoft.com/office/drawing/2014/main" id="{82F5782C-5E0E-47EA-861C-88990A8D95DF}"/>
-                </a:ext>
-              </a:extLst>
-            </p:cNvPr>
-            <p:cNvSpPr/>
-            <p:nvPr/>
-          </p:nvSpPr>
-          <p:spPr>
-            <a:xfrm>
-              <a:off x="1491815" y="5800385"/>
-              <a:ext cx="9525" cy="9525"/>
-            </a:xfrm>
-            <a:custGeom>
-              <a:avLst/>
-              <a:gdLst>
-                <a:gd name="connsiteX0" fmla="*/ 0 w 9525"/>
-                <a:gd name="connsiteY0" fmla="*/ 0 h 9525"/>
-                <a:gd name="connsiteX1" fmla="*/ 17145 w 9525"/>
-                <a:gd name="connsiteY1" fmla="*/ 18098 h 9525"/>
-              </a:gdLst>
-              <a:ahLst/>
-              <a:cxnLst>
-                <a:cxn ang="0">
-                  <a:pos x="connsiteX0" y="connsiteY0"/>
-                </a:cxn>
-                <a:cxn ang="0">
-                  <a:pos x="connsiteX1" y="connsiteY1"/>
-                </a:cxn>
-              </a:cxnLst>
-              <a:rect l="l" t="t" r="r" b="b"/>
-              <a:pathLst>
-                <a:path w="9525" h="9525">
-                  <a:moveTo>
-                    <a:pt x="0" y="0"/>
-                  </a:moveTo>
-                  <a:lnTo>
-                    <a:pt x="17145" y="18098"/>
-                  </a:lnTo>
-                </a:path>
-              </a:pathLst>
-            </a:custGeom>
-            <a:ln w="23813" cap="flat">
-              <a:solidFill>
-                <a:schemeClr val="accent1"/>
-              </a:solidFill>
-              <a:prstDash val="solid"/>
-              <a:round/>
-            </a:ln>
-          </p:spPr>
-          <p:txBody>
-            <a:bodyPr rtlCol="0" anchor="ctr"/>
-            <a:lstStyle/>
-            <a:p>
-              <a:pPr rtl="0"/>
-              <a:endParaRPr lang="ru-RU" dirty="0"/>
-            </a:p>
-          </p:txBody>
-        </p:sp>
-        <p:sp>
-          <p:nvSpPr>
-            <p:cNvPr id="49" name="Полилиния: фигура 48">
-              <a:extLst>
-                <a:ext uri="{FF2B5EF4-FFF2-40B4-BE49-F238E27FC236}">
-                  <a16:creationId xmlns:a16="http://schemas.microsoft.com/office/drawing/2014/main" id="{0ACDDF69-03CD-491C-A9E4-08E5726C5BD3}"/>
-                </a:ext>
-              </a:extLst>
-            </p:cNvPr>
-            <p:cNvSpPr/>
-            <p:nvPr/>
-          </p:nvSpPr>
-          <p:spPr>
-            <a:xfrm>
-              <a:off x="1334697" y="5606075"/>
-              <a:ext cx="360000" cy="360000"/>
-            </a:xfrm>
-            <a:custGeom>
-              <a:avLst/>
-              <a:gdLst>
-                <a:gd name="connsiteX0" fmla="*/ 0 w 360000"/>
-                <a:gd name="connsiteY0" fmla="*/ 0 h 360000"/>
-                <a:gd name="connsiteX1" fmla="*/ 185104 w 360000"/>
-                <a:gd name="connsiteY1" fmla="*/ 0 h 360000"/>
-                <a:gd name="connsiteX2" fmla="*/ 185104 w 360000"/>
-                <a:gd name="connsiteY2" fmla="*/ 172694 h 360000"/>
-                <a:gd name="connsiteX3" fmla="*/ 360000 w 360000"/>
-                <a:gd name="connsiteY3" fmla="*/ 172694 h 360000"/>
-                <a:gd name="connsiteX4" fmla="*/ 360000 w 360000"/>
-                <a:gd name="connsiteY4" fmla="*/ 360000 h 360000"/>
-                <a:gd name="connsiteX5" fmla="*/ 0 w 360000"/>
-                <a:gd name="connsiteY5" fmla="*/ 360000 h 360000"/>
-                <a:gd name="connsiteX0" fmla="*/ 185104 w 360000"/>
-                <a:gd name="connsiteY0" fmla="*/ 172694 h 360000"/>
-                <a:gd name="connsiteX1" fmla="*/ 360000 w 360000"/>
-                <a:gd name="connsiteY1" fmla="*/ 172694 h 360000"/>
-                <a:gd name="connsiteX2" fmla="*/ 360000 w 360000"/>
-                <a:gd name="connsiteY2" fmla="*/ 360000 h 360000"/>
-                <a:gd name="connsiteX3" fmla="*/ 0 w 360000"/>
-                <a:gd name="connsiteY3" fmla="*/ 360000 h 360000"/>
-                <a:gd name="connsiteX4" fmla="*/ 0 w 360000"/>
-                <a:gd name="connsiteY4" fmla="*/ 0 h 360000"/>
-                <a:gd name="connsiteX5" fmla="*/ 185104 w 360000"/>
-                <a:gd name="connsiteY5" fmla="*/ 0 h 360000"/>
-                <a:gd name="connsiteX6" fmla="*/ 276544 w 360000"/>
-                <a:gd name="connsiteY6" fmla="*/ 264134 h 360000"/>
-                <a:gd name="connsiteX0" fmla="*/ 185104 w 360000"/>
-                <a:gd name="connsiteY0" fmla="*/ 172694 h 360000"/>
-                <a:gd name="connsiteX1" fmla="*/ 360000 w 360000"/>
-                <a:gd name="connsiteY1" fmla="*/ 172694 h 360000"/>
-                <a:gd name="connsiteX2" fmla="*/ 360000 w 360000"/>
-                <a:gd name="connsiteY2" fmla="*/ 360000 h 360000"/>
-                <a:gd name="connsiteX3" fmla="*/ 0 w 360000"/>
-                <a:gd name="connsiteY3" fmla="*/ 360000 h 360000"/>
-                <a:gd name="connsiteX4" fmla="*/ 0 w 360000"/>
-                <a:gd name="connsiteY4" fmla="*/ 0 h 360000"/>
-                <a:gd name="connsiteX5" fmla="*/ 185104 w 360000"/>
-                <a:gd name="connsiteY5" fmla="*/ 0 h 360000"/>
-                <a:gd name="connsiteX0" fmla="*/ 360000 w 360000"/>
-                <a:gd name="connsiteY0" fmla="*/ 172694 h 360000"/>
-                <a:gd name="connsiteX1" fmla="*/ 360000 w 360000"/>
-                <a:gd name="connsiteY1" fmla="*/ 360000 h 360000"/>
-                <a:gd name="connsiteX2" fmla="*/ 0 w 360000"/>
-                <a:gd name="connsiteY2" fmla="*/ 360000 h 360000"/>
-                <a:gd name="connsiteX3" fmla="*/ 0 w 360000"/>
-                <a:gd name="connsiteY3" fmla="*/ 0 h 360000"/>
-                <a:gd name="connsiteX4" fmla="*/ 185104 w 360000"/>
-                <a:gd name="connsiteY4" fmla="*/ 0 h 360000"/>
-              </a:gdLst>
-              <a:ahLst/>
-              <a:cxnLst>
-                <a:cxn ang="0">
-                  <a:pos x="connsiteX0" y="connsiteY0"/>
-                </a:cxn>
-                <a:cxn ang="0">
-                  <a:pos x="connsiteX1" y="connsiteY1"/>
-                </a:cxn>
-                <a:cxn ang="0">
-                  <a:pos x="connsiteX2" y="connsiteY2"/>
-                </a:cxn>
-                <a:cxn ang="0">
-                  <a:pos x="connsiteX3" y="connsiteY3"/>
-                </a:cxn>
-                <a:cxn ang="0">
-                  <a:pos x="connsiteX4" y="connsiteY4"/>
-                </a:cxn>
-              </a:cxnLst>
-              <a:rect l="l" t="t" r="r" b="b"/>
-              <a:pathLst>
-                <a:path w="360000" h="360000">
-                  <a:moveTo>
-                    <a:pt x="360000" y="172694"/>
-                  </a:moveTo>
-                  <a:lnTo>
-                    <a:pt x="360000" y="360000"/>
-                  </a:lnTo>
-                  <a:lnTo>
-                    <a:pt x="0" y="360000"/>
-                  </a:lnTo>
-                  <a:lnTo>
-                    <a:pt x="0" y="0"/>
-                  </a:lnTo>
-                  <a:lnTo>
-                    <a:pt x="185104" y="0"/>
-                  </a:lnTo>
-                </a:path>
-              </a:pathLst>
-            </a:custGeom>
-            <a:noFill/>
-            <a:ln w="9525" cap="flat">
-              <a:solidFill>
-                <a:schemeClr val="bg1">
-                  <a:lumMod val="75000"/>
-                </a:schemeClr>
-              </a:solidFill>
-              <a:prstDash val="solid"/>
-              <a:miter/>
-            </a:ln>
-          </p:spPr>
-          <p:txBody>
-            <a:bodyPr rtlCol="0" anchor="ctr"/>
-            <a:lstStyle/>
-            <a:p>
-              <a:pPr rtl="0"/>
-              <a:endParaRPr lang="ru-RU" dirty="0"/>
-            </a:p>
-          </p:txBody>
-        </p:sp>
-      </p:grpSp>
       <p:grpSp>
         <p:nvGrpSpPr>
           <p:cNvPr id="50" name="Группа 49" descr="Значок электронной почты">
@@ -22455,16 +25195,16 @@
 <file path=customXml/itemProps3.xml><?xml version="1.0" encoding="utf-8"?>
 <ds:datastoreItem xmlns:ds="http://schemas.openxmlformats.org/officeDocument/2006/customXml" ds:itemID="{AF4BDB64-2AF8-42D4-96C8-B6B6F098993C}">
   <ds:schemaRefs>
+    <ds:schemaRef ds:uri="http://www.w3.org/XML/1998/namespace"/>
     <ds:schemaRef ds:uri="http://schemas.microsoft.com/office/2006/documentManagement/types"/>
+    <ds:schemaRef ds:uri="http://purl.org/dc/dcmitype/"/>
+    <ds:schemaRef ds:uri="http://schemas.microsoft.com/office/infopath/2007/PartnerControls"/>
+    <ds:schemaRef ds:uri="16c05727-aa75-4e4a-9b5f-8a80a1165891"/>
     <ds:schemaRef ds:uri="http://schemas.openxmlformats.org/package/2006/metadata/core-properties"/>
-    <ds:schemaRef ds:uri="http://www.w3.org/XML/1998/namespace"/>
-    <ds:schemaRef ds:uri="16c05727-aa75-4e4a-9b5f-8a80a1165891"/>
+    <ds:schemaRef ds:uri="71af3243-3dd4-4a8d-8c0d-dd76da1f02a5"/>
+    <ds:schemaRef ds:uri="http://schemas.microsoft.com/office/2006/metadata/properties"/>
     <ds:schemaRef ds:uri="http://purl.org/dc/terms/"/>
-    <ds:schemaRef ds:uri="71af3243-3dd4-4a8d-8c0d-dd76da1f02a5"/>
     <ds:schemaRef ds:uri="http://purl.org/dc/elements/1.1/"/>
-    <ds:schemaRef ds:uri="http://purl.org/dc/dcmitype/"/>
-    <ds:schemaRef ds:uri="http://schemas.microsoft.com/office/2006/metadata/properties"/>
-    <ds:schemaRef ds:uri="http://schemas.microsoft.com/office/infopath/2007/PartnerControls"/>
   </ds:schemaRefs>
 </ds:datastoreItem>
 </file>